--- a/Practice/PIM24_Ananyev.pptx
+++ b/Practice/PIM24_Ananyev.pptx
@@ -14,8 +14,8 @@
     <p:sldId id="323" r:id="rId5"/>
     <p:sldId id="317" r:id="rId6"/>
     <p:sldId id="318" r:id="rId7"/>
-    <p:sldId id="319" r:id="rId8"/>
-    <p:sldId id="320" r:id="rId9"/>
+    <p:sldId id="320" r:id="rId8"/>
+    <p:sldId id="324" r:id="rId9"/>
     <p:sldId id="321" r:id="rId10"/>
   </p:sldIdLst>
   <p:sldSz cx="9144000" cy="6858000" type="screen4x3"/>
@@ -10921,7 +10921,7 @@
                 <a:latin typeface="Times New Roman" panose="02020603050405020304" pitchFamily="18" charset="0"/>
                 <a:cs typeface="Times New Roman" panose="02020603050405020304" pitchFamily="18" charset="0"/>
               </a:rPr>
-              <a:t>Выпускная квалификационная работа</a:t>
+              <a:t>Отчёт по учебной практике</a:t>
             </a:r>
             <a:endParaRPr lang="ru-RU" sz="2000" dirty="0">
               <a:latin typeface="Times New Roman" panose="02020603050405020304" pitchFamily="18" charset="0"/>
@@ -10938,11 +10938,18 @@
           <a:p>
             <a:pPr algn="ctr"/>
             <a:r>
+              <a:rPr lang="ru-RU" sz="2000" smtClean="0">
+                <a:latin typeface="Times New Roman" panose="02020603050405020304" pitchFamily="18" charset="0"/>
+                <a:cs typeface="Times New Roman" panose="02020603050405020304" pitchFamily="18" charset="0"/>
+              </a:rPr>
+              <a:t>Исследование методов прогнозирования </a:t>
+            </a:r>
+            <a:r>
               <a:rPr lang="ru-RU" sz="2000" dirty="0" smtClean="0">
                 <a:latin typeface="Times New Roman" panose="02020603050405020304" pitchFamily="18" charset="0"/>
                 <a:cs typeface="Times New Roman" panose="02020603050405020304" pitchFamily="18" charset="0"/>
               </a:rPr>
-              <a:t>Прогнозирование траектории движения объекта</a:t>
+              <a:t>траектории движения объекта</a:t>
             </a:r>
           </a:p>
           <a:p>
@@ -12008,1545 +12015,6 @@
 </file>
 
 <file path=ppt/slides/slide7.xml><?xml version="1.0" encoding="utf-8"?>
-<p:sld xmlns:a="http://schemas.openxmlformats.org/drawingml/2006/main" xmlns:r="http://schemas.openxmlformats.org/officeDocument/2006/relationships" xmlns:p="http://schemas.openxmlformats.org/presentationml/2006/main">
-  <p:cSld>
-    <p:spTree>
-      <p:nvGrpSpPr>
-        <p:cNvPr id="1" name=""/>
-        <p:cNvGrpSpPr/>
-        <p:nvPr/>
-      </p:nvGrpSpPr>
-      <p:grpSpPr>
-        <a:xfrm>
-          <a:off x="0" y="0"/>
-          <a:ext cx="0" cy="0"/>
-          <a:chOff x="0" y="0"/>
-          <a:chExt cx="0" cy="0"/>
-        </a:xfrm>
-      </p:grpSpPr>
-      <p:sp>
-        <p:nvSpPr>
-          <p:cNvPr id="2" name="Title 1"/>
-          <p:cNvSpPr>
-            <a:spLocks noGrp="1"/>
-          </p:cNvSpPr>
-          <p:nvPr>
-            <p:ph type="title"/>
-          </p:nvPr>
-        </p:nvSpPr>
-        <p:spPr>
-          <a:xfrm>
-            <a:off x="457200" y="0"/>
-            <a:ext cx="8229600" cy="1143000"/>
-          </a:xfrm>
-        </p:spPr>
-        <p:txBody>
-          <a:bodyPr>
-            <a:normAutofit fontScale="90000"/>
-          </a:bodyPr>
-          <a:lstStyle/>
-          <a:p>
-            <a:r>
-              <a:rPr lang="ru-RU" dirty="0" smtClean="0"/>
-              <a:t>Методы решения задачи прогнозирования</a:t>
-            </a:r>
-            <a:endParaRPr lang="ru-RU" dirty="0"/>
-          </a:p>
-        </p:txBody>
-      </p:sp>
-      <p:graphicFrame>
-        <p:nvGraphicFramePr>
-          <p:cNvPr id="5" name="Table 4"/>
-          <p:cNvGraphicFramePr>
-            <a:graphicFrameLocks noGrp="1"/>
-          </p:cNvGraphicFramePr>
-          <p:nvPr>
-            <p:extLst>
-              <p:ext uri="{D42A27DB-BD31-4B8C-83A1-F6EECF244321}">
-                <p14:modId xmlns:p14="http://schemas.microsoft.com/office/powerpoint/2010/main" val="4276957134"/>
-              </p:ext>
-            </p:extLst>
-          </p:nvPr>
-        </p:nvGraphicFramePr>
-        <p:xfrm>
-          <a:off x="430040" y="1424035"/>
-          <a:ext cx="8283920" cy="5144819"/>
-        </p:xfrm>
-        <a:graphic>
-          <a:graphicData uri="http://schemas.openxmlformats.org/drawingml/2006/table">
-            <a:tbl>
-              <a:tblPr firstRow="1" firstCol="1" bandRow="1">
-                <a:tableStyleId>{C60AF1F3-BC3B-4878-BCF0-3F3E32A6FC54}</a:tableStyleId>
-              </a:tblPr>
-              <a:tblGrid>
-                <a:gridCol w="1394233"/>
-                <a:gridCol w="1027569"/>
-                <a:gridCol w="1077362"/>
-                <a:gridCol w="2123037"/>
-                <a:gridCol w="2661719"/>
-              </a:tblGrid>
-              <a:tr h="475424">
-                <a:tc>
-                  <a:txBody>
-                    <a:bodyPr/>
-                    <a:lstStyle/>
-                    <a:p>
-                      <a:pPr algn="ctr">
-                        <a:lnSpc>
-                          <a:spcPct val="150000"/>
-                        </a:lnSpc>
-                        <a:spcAft>
-                          <a:spcPts val="0"/>
-                        </a:spcAft>
-                      </a:pPr>
-                      <a:r>
-                        <a:rPr lang="ru-RU" sz="1600" dirty="0">
-                          <a:effectLst/>
-                          <a:latin typeface="Times New Roman" panose="02020603050405020304" pitchFamily="18" charset="0"/>
-                          <a:cs typeface="Times New Roman" panose="02020603050405020304" pitchFamily="18" charset="0"/>
-                        </a:rPr>
-                        <a:t>Метод</a:t>
-                      </a:r>
-                      <a:endParaRPr lang="ru-RU" sz="1200" dirty="0">
-                        <a:effectLst/>
-                        <a:latin typeface="Times New Roman" panose="02020603050405020304" pitchFamily="18" charset="0"/>
-                        <a:ea typeface="Calibri" panose="020F0502020204030204" pitchFamily="34" charset="0"/>
-                        <a:cs typeface="Times New Roman" panose="02020603050405020304" pitchFamily="18" charset="0"/>
-                      </a:endParaRPr>
-                    </a:p>
-                  </a:txBody>
-                  <a:tcPr marL="33959" marR="33959" marT="0" marB="0" anchor="ctr"/>
-                </a:tc>
-                <a:tc>
-                  <a:txBody>
-                    <a:bodyPr/>
-                    <a:lstStyle/>
-                    <a:p>
-                      <a:pPr indent="-12065" algn="ctr">
-                        <a:lnSpc>
-                          <a:spcPct val="150000"/>
-                        </a:lnSpc>
-                        <a:spcAft>
-                          <a:spcPts val="0"/>
-                        </a:spcAft>
-                      </a:pPr>
-                      <a:r>
-                        <a:rPr lang="ru-RU" sz="1600">
-                          <a:effectLst/>
-                          <a:latin typeface="Times New Roman" panose="02020603050405020304" pitchFamily="18" charset="0"/>
-                          <a:cs typeface="Times New Roman" panose="02020603050405020304" pitchFamily="18" charset="0"/>
-                        </a:rPr>
-                        <a:t>Точность</a:t>
-                      </a:r>
-                      <a:endParaRPr lang="ru-RU" sz="1200">
-                        <a:effectLst/>
-                        <a:latin typeface="Times New Roman" panose="02020603050405020304" pitchFamily="18" charset="0"/>
-                        <a:ea typeface="Calibri" panose="020F0502020204030204" pitchFamily="34" charset="0"/>
-                        <a:cs typeface="Times New Roman" panose="02020603050405020304" pitchFamily="18" charset="0"/>
-                      </a:endParaRPr>
-                    </a:p>
-                  </a:txBody>
-                  <a:tcPr marL="33959" marR="33959" marT="0" marB="0" anchor="ctr"/>
-                </a:tc>
-                <a:tc>
-                  <a:txBody>
-                    <a:bodyPr/>
-                    <a:lstStyle/>
-                    <a:p>
-                      <a:pPr algn="ctr">
-                        <a:lnSpc>
-                          <a:spcPct val="150000"/>
-                        </a:lnSpc>
-                        <a:spcAft>
-                          <a:spcPts val="0"/>
-                        </a:spcAft>
-                      </a:pPr>
-                      <a:r>
-                        <a:rPr lang="ru-RU" sz="1600" dirty="0">
-                          <a:effectLst/>
-                          <a:latin typeface="Times New Roman" panose="02020603050405020304" pitchFamily="18" charset="0"/>
-                          <a:cs typeface="Times New Roman" panose="02020603050405020304" pitchFamily="18" charset="0"/>
-                        </a:rPr>
-                        <a:t>Скорость</a:t>
-                      </a:r>
-                      <a:endParaRPr lang="ru-RU" sz="1200" dirty="0">
-                        <a:effectLst/>
-                        <a:latin typeface="Times New Roman" panose="02020603050405020304" pitchFamily="18" charset="0"/>
-                        <a:ea typeface="Calibri" panose="020F0502020204030204" pitchFamily="34" charset="0"/>
-                        <a:cs typeface="Times New Roman" panose="02020603050405020304" pitchFamily="18" charset="0"/>
-                      </a:endParaRPr>
-                    </a:p>
-                  </a:txBody>
-                  <a:tcPr marL="33959" marR="33959" marT="0" marB="0" anchor="ctr"/>
-                </a:tc>
-                <a:tc>
-                  <a:txBody>
-                    <a:bodyPr/>
-                    <a:lstStyle/>
-                    <a:p>
-                      <a:pPr algn="ctr">
-                        <a:lnSpc>
-                          <a:spcPct val="150000"/>
-                        </a:lnSpc>
-                        <a:spcAft>
-                          <a:spcPts val="0"/>
-                        </a:spcAft>
-                      </a:pPr>
-                      <a:r>
-                        <a:rPr lang="ru-RU" sz="1600">
-                          <a:effectLst/>
-                          <a:latin typeface="Times New Roman" panose="02020603050405020304" pitchFamily="18" charset="0"/>
-                          <a:cs typeface="Times New Roman" panose="02020603050405020304" pitchFamily="18" charset="0"/>
-                        </a:rPr>
-                        <a:t>Интерпретируемость</a:t>
-                      </a:r>
-                      <a:endParaRPr lang="ru-RU" sz="1200">
-                        <a:effectLst/>
-                        <a:latin typeface="Times New Roman" panose="02020603050405020304" pitchFamily="18" charset="0"/>
-                        <a:ea typeface="Calibri" panose="020F0502020204030204" pitchFamily="34" charset="0"/>
-                        <a:cs typeface="Times New Roman" panose="02020603050405020304" pitchFamily="18" charset="0"/>
-                      </a:endParaRPr>
-                    </a:p>
-                  </a:txBody>
-                  <a:tcPr marL="33959" marR="33959" marT="0" marB="0" anchor="ctr"/>
-                </a:tc>
-                <a:tc>
-                  <a:txBody>
-                    <a:bodyPr/>
-                    <a:lstStyle/>
-                    <a:p>
-                      <a:pPr indent="-6985" algn="ctr">
-                        <a:lnSpc>
-                          <a:spcPct val="150000"/>
-                        </a:lnSpc>
-                        <a:spcAft>
-                          <a:spcPts val="0"/>
-                        </a:spcAft>
-                      </a:pPr>
-                      <a:r>
-                        <a:rPr lang="ru-RU" sz="1600">
-                          <a:effectLst/>
-                          <a:latin typeface="Times New Roman" panose="02020603050405020304" pitchFamily="18" charset="0"/>
-                          <a:cs typeface="Times New Roman" panose="02020603050405020304" pitchFamily="18" charset="0"/>
-                        </a:rPr>
-                        <a:t>Применение</a:t>
-                      </a:r>
-                      <a:endParaRPr lang="ru-RU" sz="1200">
-                        <a:effectLst/>
-                        <a:latin typeface="Times New Roman" panose="02020603050405020304" pitchFamily="18" charset="0"/>
-                        <a:ea typeface="Calibri" panose="020F0502020204030204" pitchFamily="34" charset="0"/>
-                        <a:cs typeface="Times New Roman" panose="02020603050405020304" pitchFamily="18" charset="0"/>
-                      </a:endParaRPr>
-                    </a:p>
-                  </a:txBody>
-                  <a:tcPr marL="33959" marR="33959" marT="0" marB="0" anchor="ctr"/>
-                </a:tc>
-              </a:tr>
-              <a:tr h="475424">
-                <a:tc>
-                  <a:txBody>
-                    <a:bodyPr/>
-                    <a:lstStyle/>
-                    <a:p>
-                      <a:pPr algn="ctr">
-                        <a:lnSpc>
-                          <a:spcPct val="150000"/>
-                        </a:lnSpc>
-                        <a:spcAft>
-                          <a:spcPts val="0"/>
-                        </a:spcAft>
-                      </a:pPr>
-                      <a:r>
-                        <a:rPr lang="ru-RU" sz="1600" dirty="0">
-                          <a:effectLst/>
-                          <a:latin typeface="Times New Roman" panose="02020603050405020304" pitchFamily="18" charset="0"/>
-                          <a:cs typeface="Times New Roman" panose="02020603050405020304" pitchFamily="18" charset="0"/>
-                        </a:rPr>
-                        <a:t>Физические модели</a:t>
-                      </a:r>
-                      <a:endParaRPr lang="ru-RU" sz="1200" dirty="0">
-                        <a:effectLst/>
-                        <a:latin typeface="Times New Roman" panose="02020603050405020304" pitchFamily="18" charset="0"/>
-                        <a:ea typeface="Calibri" panose="020F0502020204030204" pitchFamily="34" charset="0"/>
-                        <a:cs typeface="Times New Roman" panose="02020603050405020304" pitchFamily="18" charset="0"/>
-                      </a:endParaRPr>
-                    </a:p>
-                  </a:txBody>
-                  <a:tcPr marL="33959" marR="33959" marT="0" marB="0" anchor="ctr"/>
-                </a:tc>
-                <a:tc>
-                  <a:txBody>
-                    <a:bodyPr/>
-                    <a:lstStyle/>
-                    <a:p>
-                      <a:pPr indent="-12065" algn="ctr">
-                        <a:lnSpc>
-                          <a:spcPct val="150000"/>
-                        </a:lnSpc>
-                        <a:spcAft>
-                          <a:spcPts val="0"/>
-                        </a:spcAft>
-                      </a:pPr>
-                      <a:r>
-                        <a:rPr lang="ru-RU" sz="1600" dirty="0">
-                          <a:effectLst/>
-                          <a:latin typeface="Times New Roman" panose="02020603050405020304" pitchFamily="18" charset="0"/>
-                          <a:cs typeface="Times New Roman" panose="02020603050405020304" pitchFamily="18" charset="0"/>
-                        </a:rPr>
-                        <a:t>Низкая</a:t>
-                      </a:r>
-                      <a:endParaRPr lang="ru-RU" sz="1200" dirty="0">
-                        <a:effectLst/>
-                        <a:latin typeface="Times New Roman" panose="02020603050405020304" pitchFamily="18" charset="0"/>
-                        <a:ea typeface="Calibri" panose="020F0502020204030204" pitchFamily="34" charset="0"/>
-                        <a:cs typeface="Times New Roman" panose="02020603050405020304" pitchFamily="18" charset="0"/>
-                      </a:endParaRPr>
-                    </a:p>
-                  </a:txBody>
-                  <a:tcPr marL="33959" marR="33959" marT="0" marB="0" anchor="ctr"/>
-                </a:tc>
-                <a:tc>
-                  <a:txBody>
-                    <a:bodyPr/>
-                    <a:lstStyle/>
-                    <a:p>
-                      <a:pPr algn="ctr">
-                        <a:lnSpc>
-                          <a:spcPct val="150000"/>
-                        </a:lnSpc>
-                        <a:spcAft>
-                          <a:spcPts val="0"/>
-                        </a:spcAft>
-                      </a:pPr>
-                      <a:r>
-                        <a:rPr lang="ru-RU" sz="1600">
-                          <a:effectLst/>
-                          <a:latin typeface="Times New Roman" panose="02020603050405020304" pitchFamily="18" charset="0"/>
-                          <a:cs typeface="Times New Roman" panose="02020603050405020304" pitchFamily="18" charset="0"/>
-                        </a:rPr>
-                        <a:t>Высокая</a:t>
-                      </a:r>
-                      <a:endParaRPr lang="ru-RU" sz="1200">
-                        <a:effectLst/>
-                        <a:latin typeface="Times New Roman" panose="02020603050405020304" pitchFamily="18" charset="0"/>
-                        <a:ea typeface="Calibri" panose="020F0502020204030204" pitchFamily="34" charset="0"/>
-                        <a:cs typeface="Times New Roman" panose="02020603050405020304" pitchFamily="18" charset="0"/>
-                      </a:endParaRPr>
-                    </a:p>
-                  </a:txBody>
-                  <a:tcPr marL="33959" marR="33959" marT="0" marB="0" anchor="ctr"/>
-                </a:tc>
-                <a:tc>
-                  <a:txBody>
-                    <a:bodyPr/>
-                    <a:lstStyle/>
-                    <a:p>
-                      <a:pPr algn="ctr">
-                        <a:lnSpc>
-                          <a:spcPct val="150000"/>
-                        </a:lnSpc>
-                        <a:spcAft>
-                          <a:spcPts val="0"/>
-                        </a:spcAft>
-                      </a:pPr>
-                      <a:r>
-                        <a:rPr lang="ru-RU" sz="1600">
-                          <a:effectLst/>
-                          <a:latin typeface="Times New Roman" panose="02020603050405020304" pitchFamily="18" charset="0"/>
-                          <a:cs typeface="Times New Roman" panose="02020603050405020304" pitchFamily="18" charset="0"/>
-                        </a:rPr>
-                        <a:t>Высокая</a:t>
-                      </a:r>
-                      <a:endParaRPr lang="ru-RU" sz="1200">
-                        <a:effectLst/>
-                        <a:latin typeface="Times New Roman" panose="02020603050405020304" pitchFamily="18" charset="0"/>
-                        <a:ea typeface="Calibri" panose="020F0502020204030204" pitchFamily="34" charset="0"/>
-                        <a:cs typeface="Times New Roman" panose="02020603050405020304" pitchFamily="18" charset="0"/>
-                      </a:endParaRPr>
-                    </a:p>
-                  </a:txBody>
-                  <a:tcPr marL="33959" marR="33959" marT="0" marB="0" anchor="ctr"/>
-                </a:tc>
-                <a:tc>
-                  <a:txBody>
-                    <a:bodyPr/>
-                    <a:lstStyle/>
-                    <a:p>
-                      <a:pPr indent="-6985" algn="ctr">
-                        <a:lnSpc>
-                          <a:spcPct val="150000"/>
-                        </a:lnSpc>
-                        <a:spcAft>
-                          <a:spcPts val="0"/>
-                        </a:spcAft>
-                      </a:pPr>
-                      <a:r>
-                        <a:rPr lang="ru-RU" sz="1600">
-                          <a:effectLst/>
-                          <a:latin typeface="Times New Roman" panose="02020603050405020304" pitchFamily="18" charset="0"/>
-                          <a:cs typeface="Times New Roman" panose="02020603050405020304" pitchFamily="18" charset="0"/>
-                        </a:rPr>
-                        <a:t>Аэрокосмос, роботы</a:t>
-                      </a:r>
-                      <a:endParaRPr lang="ru-RU" sz="1200">
-                        <a:effectLst/>
-                        <a:latin typeface="Times New Roman" panose="02020603050405020304" pitchFamily="18" charset="0"/>
-                        <a:ea typeface="Calibri" panose="020F0502020204030204" pitchFamily="34" charset="0"/>
-                        <a:cs typeface="Times New Roman" panose="02020603050405020304" pitchFamily="18" charset="0"/>
-                      </a:endParaRPr>
-                    </a:p>
-                  </a:txBody>
-                  <a:tcPr marL="33959" marR="33959" marT="0" marB="0" anchor="ctr"/>
-                </a:tc>
-              </a:tr>
-              <a:tr h="633899">
-                <a:tc>
-                  <a:txBody>
-                    <a:bodyPr/>
-                    <a:lstStyle/>
-                    <a:p>
-                      <a:pPr algn="ctr">
-                        <a:lnSpc>
-                          <a:spcPct val="150000"/>
-                        </a:lnSpc>
-                        <a:spcAft>
-                          <a:spcPts val="0"/>
-                        </a:spcAft>
-                      </a:pPr>
-                      <a:r>
-                        <a:rPr lang="ru-RU" sz="1600">
-                          <a:effectLst/>
-                          <a:latin typeface="Times New Roman" panose="02020603050405020304" pitchFamily="18" charset="0"/>
-                          <a:cs typeface="Times New Roman" panose="02020603050405020304" pitchFamily="18" charset="0"/>
-                        </a:rPr>
-                        <a:t>LSTM</a:t>
-                      </a:r>
-                      <a:endParaRPr lang="ru-RU" sz="1200">
-                        <a:effectLst/>
-                        <a:latin typeface="Times New Roman" panose="02020603050405020304" pitchFamily="18" charset="0"/>
-                        <a:ea typeface="Calibri" panose="020F0502020204030204" pitchFamily="34" charset="0"/>
-                        <a:cs typeface="Times New Roman" panose="02020603050405020304" pitchFamily="18" charset="0"/>
-                      </a:endParaRPr>
-                    </a:p>
-                  </a:txBody>
-                  <a:tcPr marL="33959" marR="33959" marT="0" marB="0" anchor="ctr"/>
-                </a:tc>
-                <a:tc>
-                  <a:txBody>
-                    <a:bodyPr/>
-                    <a:lstStyle/>
-                    <a:p>
-                      <a:pPr indent="-12065" algn="ctr">
-                        <a:lnSpc>
-                          <a:spcPct val="150000"/>
-                        </a:lnSpc>
-                        <a:spcAft>
-                          <a:spcPts val="0"/>
-                        </a:spcAft>
-                      </a:pPr>
-                      <a:r>
-                        <a:rPr lang="ru-RU" sz="1600" dirty="0">
-                          <a:effectLst/>
-                          <a:latin typeface="Times New Roman" panose="02020603050405020304" pitchFamily="18" charset="0"/>
-                          <a:cs typeface="Times New Roman" panose="02020603050405020304" pitchFamily="18" charset="0"/>
-                        </a:rPr>
-                        <a:t>Средняя</a:t>
-                      </a:r>
-                      <a:endParaRPr lang="ru-RU" sz="1200" dirty="0">
-                        <a:effectLst/>
-                        <a:latin typeface="Times New Roman" panose="02020603050405020304" pitchFamily="18" charset="0"/>
-                        <a:ea typeface="Calibri" panose="020F0502020204030204" pitchFamily="34" charset="0"/>
-                        <a:cs typeface="Times New Roman" panose="02020603050405020304" pitchFamily="18" charset="0"/>
-                      </a:endParaRPr>
-                    </a:p>
-                  </a:txBody>
-                  <a:tcPr marL="33959" marR="33959" marT="0" marB="0" anchor="ctr"/>
-                </a:tc>
-                <a:tc>
-                  <a:txBody>
-                    <a:bodyPr/>
-                    <a:lstStyle/>
-                    <a:p>
-                      <a:pPr algn="ctr">
-                        <a:lnSpc>
-                          <a:spcPct val="150000"/>
-                        </a:lnSpc>
-                        <a:spcAft>
-                          <a:spcPts val="0"/>
-                        </a:spcAft>
-                      </a:pPr>
-                      <a:r>
-                        <a:rPr lang="ru-RU" sz="1600" dirty="0">
-                          <a:effectLst/>
-                          <a:latin typeface="Times New Roman" panose="02020603050405020304" pitchFamily="18" charset="0"/>
-                          <a:cs typeface="Times New Roman" panose="02020603050405020304" pitchFamily="18" charset="0"/>
-                        </a:rPr>
-                        <a:t>Средняя</a:t>
-                      </a:r>
-                      <a:endParaRPr lang="ru-RU" sz="1200" dirty="0">
-                        <a:effectLst/>
-                        <a:latin typeface="Times New Roman" panose="02020603050405020304" pitchFamily="18" charset="0"/>
-                        <a:ea typeface="Calibri" panose="020F0502020204030204" pitchFamily="34" charset="0"/>
-                        <a:cs typeface="Times New Roman" panose="02020603050405020304" pitchFamily="18" charset="0"/>
-                      </a:endParaRPr>
-                    </a:p>
-                  </a:txBody>
-                  <a:tcPr marL="33959" marR="33959" marT="0" marB="0" anchor="ctr"/>
-                </a:tc>
-                <a:tc>
-                  <a:txBody>
-                    <a:bodyPr/>
-                    <a:lstStyle/>
-                    <a:p>
-                      <a:pPr algn="ctr">
-                        <a:lnSpc>
-                          <a:spcPct val="150000"/>
-                        </a:lnSpc>
-                        <a:spcAft>
-                          <a:spcPts val="0"/>
-                        </a:spcAft>
-                      </a:pPr>
-                      <a:r>
-                        <a:rPr lang="ru-RU" sz="1600">
-                          <a:effectLst/>
-                          <a:latin typeface="Times New Roman" panose="02020603050405020304" pitchFamily="18" charset="0"/>
-                          <a:cs typeface="Times New Roman" panose="02020603050405020304" pitchFamily="18" charset="0"/>
-                        </a:rPr>
-                        <a:t>Низкая</a:t>
-                      </a:r>
-                      <a:endParaRPr lang="ru-RU" sz="1200">
-                        <a:effectLst/>
-                        <a:latin typeface="Times New Roman" panose="02020603050405020304" pitchFamily="18" charset="0"/>
-                        <a:ea typeface="Calibri" panose="020F0502020204030204" pitchFamily="34" charset="0"/>
-                        <a:cs typeface="Times New Roman" panose="02020603050405020304" pitchFamily="18" charset="0"/>
-                      </a:endParaRPr>
-                    </a:p>
-                  </a:txBody>
-                  <a:tcPr marL="33959" marR="33959" marT="0" marB="0" anchor="ctr"/>
-                </a:tc>
-                <a:tc>
-                  <a:txBody>
-                    <a:bodyPr/>
-                    <a:lstStyle/>
-                    <a:p>
-                      <a:pPr indent="-6985" algn="ctr">
-                        <a:lnSpc>
-                          <a:spcPct val="150000"/>
-                        </a:lnSpc>
-                        <a:spcAft>
-                          <a:spcPts val="0"/>
-                        </a:spcAft>
-                      </a:pPr>
-                      <a:r>
-                        <a:rPr lang="ru-RU" sz="1600">
-                          <a:effectLst/>
-                          <a:latin typeface="Times New Roman" panose="02020603050405020304" pitchFamily="18" charset="0"/>
-                          <a:cs typeface="Times New Roman" panose="02020603050405020304" pitchFamily="18" charset="0"/>
-                        </a:rPr>
-                        <a:t>Автономные автомобили</a:t>
-                      </a:r>
-                      <a:endParaRPr lang="ru-RU" sz="1200">
-                        <a:effectLst/>
-                        <a:latin typeface="Times New Roman" panose="02020603050405020304" pitchFamily="18" charset="0"/>
-                        <a:ea typeface="Calibri" panose="020F0502020204030204" pitchFamily="34" charset="0"/>
-                        <a:cs typeface="Times New Roman" panose="02020603050405020304" pitchFamily="18" charset="0"/>
-                      </a:endParaRPr>
-                    </a:p>
-                  </a:txBody>
-                  <a:tcPr marL="33959" marR="33959" marT="0" marB="0" anchor="ctr"/>
-                </a:tc>
-              </a:tr>
-              <a:tr h="339117">
-                <a:tc>
-                  <a:txBody>
-                    <a:bodyPr/>
-                    <a:lstStyle/>
-                    <a:p>
-                      <a:pPr algn="ctr">
-                        <a:lnSpc>
-                          <a:spcPct val="107000"/>
-                        </a:lnSpc>
-                        <a:spcAft>
-                          <a:spcPts val="0"/>
-                        </a:spcAft>
-                      </a:pPr>
-                      <a:r>
-                        <a:rPr lang="ru-RU" sz="1600">
-                          <a:effectLst/>
-                          <a:latin typeface="Times New Roman" panose="02020603050405020304" pitchFamily="18" charset="0"/>
-                          <a:cs typeface="Times New Roman" panose="02020603050405020304" pitchFamily="18" charset="0"/>
-                        </a:rPr>
-                        <a:t>GAN</a:t>
-                      </a:r>
-                      <a:endParaRPr lang="ru-RU" sz="1200">
-                        <a:effectLst/>
-                        <a:latin typeface="Times New Roman" panose="02020603050405020304" pitchFamily="18" charset="0"/>
-                        <a:ea typeface="Calibri" panose="020F0502020204030204" pitchFamily="34" charset="0"/>
-                        <a:cs typeface="Times New Roman" panose="02020603050405020304" pitchFamily="18" charset="0"/>
-                      </a:endParaRPr>
-                    </a:p>
-                  </a:txBody>
-                  <a:tcPr marL="33959" marR="33959" marT="0" marB="0" anchor="ctr"/>
-                </a:tc>
-                <a:tc>
-                  <a:txBody>
-                    <a:bodyPr/>
-                    <a:lstStyle/>
-                    <a:p>
-                      <a:pPr algn="ctr">
-                        <a:lnSpc>
-                          <a:spcPct val="107000"/>
-                        </a:lnSpc>
-                        <a:spcAft>
-                          <a:spcPts val="0"/>
-                        </a:spcAft>
-                      </a:pPr>
-                      <a:r>
-                        <a:rPr lang="ru-RU" sz="1600">
-                          <a:effectLst/>
-                          <a:latin typeface="Times New Roman" panose="02020603050405020304" pitchFamily="18" charset="0"/>
-                          <a:cs typeface="Times New Roman" panose="02020603050405020304" pitchFamily="18" charset="0"/>
-                        </a:rPr>
-                        <a:t>Средняя</a:t>
-                      </a:r>
-                      <a:endParaRPr lang="ru-RU" sz="1200">
-                        <a:effectLst/>
-                        <a:latin typeface="Times New Roman" panose="02020603050405020304" pitchFamily="18" charset="0"/>
-                        <a:ea typeface="Calibri" panose="020F0502020204030204" pitchFamily="34" charset="0"/>
-                        <a:cs typeface="Times New Roman" panose="02020603050405020304" pitchFamily="18" charset="0"/>
-                      </a:endParaRPr>
-                    </a:p>
-                  </a:txBody>
-                  <a:tcPr marL="33959" marR="33959" marT="0" marB="0" anchor="ctr"/>
-                </a:tc>
-                <a:tc>
-                  <a:txBody>
-                    <a:bodyPr/>
-                    <a:lstStyle/>
-                    <a:p>
-                      <a:pPr algn="ctr">
-                        <a:lnSpc>
-                          <a:spcPct val="107000"/>
-                        </a:lnSpc>
-                        <a:spcAft>
-                          <a:spcPts val="0"/>
-                        </a:spcAft>
-                      </a:pPr>
-                      <a:r>
-                        <a:rPr lang="ru-RU" sz="1600" dirty="0">
-                          <a:effectLst/>
-                          <a:latin typeface="Times New Roman" panose="02020603050405020304" pitchFamily="18" charset="0"/>
-                          <a:cs typeface="Times New Roman" panose="02020603050405020304" pitchFamily="18" charset="0"/>
-                        </a:rPr>
-                        <a:t>Низкая</a:t>
-                      </a:r>
-                      <a:endParaRPr lang="ru-RU" sz="1200" dirty="0">
-                        <a:effectLst/>
-                        <a:latin typeface="Times New Roman" panose="02020603050405020304" pitchFamily="18" charset="0"/>
-                        <a:ea typeface="Calibri" panose="020F0502020204030204" pitchFamily="34" charset="0"/>
-                        <a:cs typeface="Times New Roman" panose="02020603050405020304" pitchFamily="18" charset="0"/>
-                      </a:endParaRPr>
-                    </a:p>
-                  </a:txBody>
-                  <a:tcPr marL="33959" marR="33959" marT="0" marB="0" anchor="ctr"/>
-                </a:tc>
-                <a:tc>
-                  <a:txBody>
-                    <a:bodyPr/>
-                    <a:lstStyle/>
-                    <a:p>
-                      <a:pPr algn="ctr">
-                        <a:lnSpc>
-                          <a:spcPct val="107000"/>
-                        </a:lnSpc>
-                        <a:spcAft>
-                          <a:spcPts val="0"/>
-                        </a:spcAft>
-                      </a:pPr>
-                      <a:r>
-                        <a:rPr lang="ru-RU" sz="1600" dirty="0">
-                          <a:effectLst/>
-                          <a:latin typeface="Times New Roman" panose="02020603050405020304" pitchFamily="18" charset="0"/>
-                          <a:cs typeface="Times New Roman" panose="02020603050405020304" pitchFamily="18" charset="0"/>
-                        </a:rPr>
-                        <a:t>Низкая</a:t>
-                      </a:r>
-                      <a:endParaRPr lang="ru-RU" sz="1200" dirty="0">
-                        <a:effectLst/>
-                        <a:latin typeface="Times New Roman" panose="02020603050405020304" pitchFamily="18" charset="0"/>
-                        <a:ea typeface="Calibri" panose="020F0502020204030204" pitchFamily="34" charset="0"/>
-                        <a:cs typeface="Times New Roman" panose="02020603050405020304" pitchFamily="18" charset="0"/>
-                      </a:endParaRPr>
-                    </a:p>
-                  </a:txBody>
-                  <a:tcPr marL="33959" marR="33959" marT="0" marB="0" anchor="ctr"/>
-                </a:tc>
-                <a:tc>
-                  <a:txBody>
-                    <a:bodyPr/>
-                    <a:lstStyle/>
-                    <a:p>
-                      <a:pPr algn="ctr">
-                        <a:lnSpc>
-                          <a:spcPct val="107000"/>
-                        </a:lnSpc>
-                        <a:spcAft>
-                          <a:spcPts val="0"/>
-                        </a:spcAft>
-                      </a:pPr>
-                      <a:r>
-                        <a:rPr lang="ru-RU" sz="1600">
-                          <a:effectLst/>
-                          <a:latin typeface="Times New Roman" panose="02020603050405020304" pitchFamily="18" charset="0"/>
-                          <a:cs typeface="Times New Roman" panose="02020603050405020304" pitchFamily="18" charset="0"/>
-                        </a:rPr>
-                        <a:t>Пешеходы, NPC в играх</a:t>
-                      </a:r>
-                      <a:endParaRPr lang="ru-RU" sz="1200">
-                        <a:effectLst/>
-                        <a:latin typeface="Times New Roman" panose="02020603050405020304" pitchFamily="18" charset="0"/>
-                        <a:ea typeface="Calibri" panose="020F0502020204030204" pitchFamily="34" charset="0"/>
-                        <a:cs typeface="Times New Roman" panose="02020603050405020304" pitchFamily="18" charset="0"/>
-                      </a:endParaRPr>
-                    </a:p>
-                  </a:txBody>
-                  <a:tcPr marL="33959" marR="33959" marT="0" marB="0" anchor="ctr"/>
-                </a:tc>
-              </a:tr>
-              <a:tr h="452156">
-                <a:tc>
-                  <a:txBody>
-                    <a:bodyPr/>
-                    <a:lstStyle/>
-                    <a:p>
-                      <a:pPr algn="ctr">
-                        <a:lnSpc>
-                          <a:spcPct val="107000"/>
-                        </a:lnSpc>
-                        <a:spcAft>
-                          <a:spcPts val="0"/>
-                        </a:spcAft>
-                      </a:pPr>
-                      <a:r>
-                        <a:rPr lang="ru-RU" sz="1600">
-                          <a:effectLst/>
-                          <a:latin typeface="Times New Roman" panose="02020603050405020304" pitchFamily="18" charset="0"/>
-                          <a:cs typeface="Times New Roman" panose="02020603050405020304" pitchFamily="18" charset="0"/>
-                        </a:rPr>
-                        <a:t>Particle Filters</a:t>
-                      </a:r>
-                      <a:endParaRPr lang="ru-RU" sz="1200">
-                        <a:effectLst/>
-                        <a:latin typeface="Times New Roman" panose="02020603050405020304" pitchFamily="18" charset="0"/>
-                        <a:ea typeface="Calibri" panose="020F0502020204030204" pitchFamily="34" charset="0"/>
-                        <a:cs typeface="Times New Roman" panose="02020603050405020304" pitchFamily="18" charset="0"/>
-                      </a:endParaRPr>
-                    </a:p>
-                  </a:txBody>
-                  <a:tcPr marL="33959" marR="33959" marT="0" marB="0" anchor="ctr"/>
-                </a:tc>
-                <a:tc>
-                  <a:txBody>
-                    <a:bodyPr/>
-                    <a:lstStyle/>
-                    <a:p>
-                      <a:pPr algn="ctr">
-                        <a:lnSpc>
-                          <a:spcPct val="107000"/>
-                        </a:lnSpc>
-                        <a:spcAft>
-                          <a:spcPts val="0"/>
-                        </a:spcAft>
-                      </a:pPr>
-                      <a:r>
-                        <a:rPr lang="ru-RU" sz="1600">
-                          <a:effectLst/>
-                          <a:latin typeface="Times New Roman" panose="02020603050405020304" pitchFamily="18" charset="0"/>
-                          <a:cs typeface="Times New Roman" panose="02020603050405020304" pitchFamily="18" charset="0"/>
-                        </a:rPr>
-                        <a:t>Средняя</a:t>
-                      </a:r>
-                      <a:endParaRPr lang="ru-RU" sz="1200">
-                        <a:effectLst/>
-                        <a:latin typeface="Times New Roman" panose="02020603050405020304" pitchFamily="18" charset="0"/>
-                        <a:ea typeface="Calibri" panose="020F0502020204030204" pitchFamily="34" charset="0"/>
-                        <a:cs typeface="Times New Roman" panose="02020603050405020304" pitchFamily="18" charset="0"/>
-                      </a:endParaRPr>
-                    </a:p>
-                  </a:txBody>
-                  <a:tcPr marL="33959" marR="33959" marT="0" marB="0" anchor="ctr"/>
-                </a:tc>
-                <a:tc>
-                  <a:txBody>
-                    <a:bodyPr/>
-                    <a:lstStyle/>
-                    <a:p>
-                      <a:pPr algn="ctr">
-                        <a:lnSpc>
-                          <a:spcPct val="107000"/>
-                        </a:lnSpc>
-                        <a:spcAft>
-                          <a:spcPts val="0"/>
-                        </a:spcAft>
-                      </a:pPr>
-                      <a:r>
-                        <a:rPr lang="ru-RU" sz="1600" dirty="0">
-                          <a:effectLst/>
-                          <a:latin typeface="Times New Roman" panose="02020603050405020304" pitchFamily="18" charset="0"/>
-                          <a:cs typeface="Times New Roman" panose="02020603050405020304" pitchFamily="18" charset="0"/>
-                        </a:rPr>
-                        <a:t>Низкая</a:t>
-                      </a:r>
-                      <a:endParaRPr lang="ru-RU" sz="1200" dirty="0">
-                        <a:effectLst/>
-                        <a:latin typeface="Times New Roman" panose="02020603050405020304" pitchFamily="18" charset="0"/>
-                        <a:ea typeface="Calibri" panose="020F0502020204030204" pitchFamily="34" charset="0"/>
-                        <a:cs typeface="Times New Roman" panose="02020603050405020304" pitchFamily="18" charset="0"/>
-                      </a:endParaRPr>
-                    </a:p>
-                  </a:txBody>
-                  <a:tcPr marL="33959" marR="33959" marT="0" marB="0" anchor="ctr"/>
-                </a:tc>
-                <a:tc>
-                  <a:txBody>
-                    <a:bodyPr/>
-                    <a:lstStyle/>
-                    <a:p>
-                      <a:pPr algn="ctr">
-                        <a:lnSpc>
-                          <a:spcPct val="107000"/>
-                        </a:lnSpc>
-                        <a:spcAft>
-                          <a:spcPts val="0"/>
-                        </a:spcAft>
-                      </a:pPr>
-                      <a:r>
-                        <a:rPr lang="ru-RU" sz="1600" dirty="0">
-                          <a:effectLst/>
-                          <a:latin typeface="Times New Roman" panose="02020603050405020304" pitchFamily="18" charset="0"/>
-                          <a:cs typeface="Times New Roman" panose="02020603050405020304" pitchFamily="18" charset="0"/>
-                        </a:rPr>
-                        <a:t>Средняя</a:t>
-                      </a:r>
-                      <a:endParaRPr lang="ru-RU" sz="1200" dirty="0">
-                        <a:effectLst/>
-                        <a:latin typeface="Times New Roman" panose="02020603050405020304" pitchFamily="18" charset="0"/>
-                        <a:ea typeface="Calibri" panose="020F0502020204030204" pitchFamily="34" charset="0"/>
-                        <a:cs typeface="Times New Roman" panose="02020603050405020304" pitchFamily="18" charset="0"/>
-                      </a:endParaRPr>
-                    </a:p>
-                  </a:txBody>
-                  <a:tcPr marL="33959" marR="33959" marT="0" marB="0" anchor="ctr"/>
-                </a:tc>
-                <a:tc>
-                  <a:txBody>
-                    <a:bodyPr/>
-                    <a:lstStyle/>
-                    <a:p>
-                      <a:pPr algn="ctr">
-                        <a:lnSpc>
-                          <a:spcPct val="107000"/>
-                        </a:lnSpc>
-                        <a:spcAft>
-                          <a:spcPts val="0"/>
-                        </a:spcAft>
-                      </a:pPr>
-                      <a:r>
-                        <a:rPr lang="ru-RU" sz="1600">
-                          <a:effectLst/>
-                          <a:latin typeface="Times New Roman" panose="02020603050405020304" pitchFamily="18" charset="0"/>
-                          <a:cs typeface="Times New Roman" panose="02020603050405020304" pitchFamily="18" charset="0"/>
-                        </a:rPr>
-                        <a:t>Компьютерное зрение, роботы</a:t>
-                      </a:r>
-                      <a:endParaRPr lang="ru-RU" sz="1200">
-                        <a:effectLst/>
-                        <a:latin typeface="Times New Roman" panose="02020603050405020304" pitchFamily="18" charset="0"/>
-                        <a:ea typeface="Calibri" panose="020F0502020204030204" pitchFamily="34" charset="0"/>
-                        <a:cs typeface="Times New Roman" panose="02020603050405020304" pitchFamily="18" charset="0"/>
-                      </a:endParaRPr>
-                    </a:p>
-                  </a:txBody>
-                  <a:tcPr marL="33959" marR="33959" marT="0" marB="0" anchor="ctr"/>
-                </a:tc>
-              </a:tr>
-              <a:tr h="565195">
-                <a:tc>
-                  <a:txBody>
-                    <a:bodyPr/>
-                    <a:lstStyle/>
-                    <a:p>
-                      <a:pPr algn="ctr">
-                        <a:lnSpc>
-                          <a:spcPct val="107000"/>
-                        </a:lnSpc>
-                        <a:spcAft>
-                          <a:spcPts val="0"/>
-                        </a:spcAft>
-                      </a:pPr>
-                      <a:r>
-                        <a:rPr lang="ru-RU" sz="1600">
-                          <a:effectLst/>
-                          <a:latin typeface="Times New Roman" panose="02020603050405020304" pitchFamily="18" charset="0"/>
-                          <a:cs typeface="Times New Roman" panose="02020603050405020304" pitchFamily="18" charset="0"/>
-                        </a:rPr>
-                        <a:t>GNN</a:t>
-                      </a:r>
-                      <a:endParaRPr lang="ru-RU" sz="1200">
-                        <a:effectLst/>
-                        <a:latin typeface="Times New Roman" panose="02020603050405020304" pitchFamily="18" charset="0"/>
-                        <a:ea typeface="Calibri" panose="020F0502020204030204" pitchFamily="34" charset="0"/>
-                        <a:cs typeface="Times New Roman" panose="02020603050405020304" pitchFamily="18" charset="0"/>
-                      </a:endParaRPr>
-                    </a:p>
-                  </a:txBody>
-                  <a:tcPr marL="33959" marR="33959" marT="0" marB="0" anchor="ctr"/>
-                </a:tc>
-                <a:tc>
-                  <a:txBody>
-                    <a:bodyPr/>
-                    <a:lstStyle/>
-                    <a:p>
-                      <a:pPr algn="ctr">
-                        <a:lnSpc>
-                          <a:spcPct val="107000"/>
-                        </a:lnSpc>
-                        <a:spcAft>
-                          <a:spcPts val="0"/>
-                        </a:spcAft>
-                      </a:pPr>
-                      <a:r>
-                        <a:rPr lang="ru-RU" sz="1600">
-                          <a:effectLst/>
-                          <a:latin typeface="Times New Roman" panose="02020603050405020304" pitchFamily="18" charset="0"/>
-                          <a:cs typeface="Times New Roman" panose="02020603050405020304" pitchFamily="18" charset="0"/>
-                        </a:rPr>
-                        <a:t>Высокая</a:t>
-                      </a:r>
-                      <a:endParaRPr lang="ru-RU" sz="1200">
-                        <a:effectLst/>
-                        <a:latin typeface="Times New Roman" panose="02020603050405020304" pitchFamily="18" charset="0"/>
-                        <a:ea typeface="Calibri" panose="020F0502020204030204" pitchFamily="34" charset="0"/>
-                        <a:cs typeface="Times New Roman" panose="02020603050405020304" pitchFamily="18" charset="0"/>
-                      </a:endParaRPr>
-                    </a:p>
-                  </a:txBody>
-                  <a:tcPr marL="33959" marR="33959" marT="0" marB="0" anchor="ctr"/>
-                </a:tc>
-                <a:tc>
-                  <a:txBody>
-                    <a:bodyPr/>
-                    <a:lstStyle/>
-                    <a:p>
-                      <a:pPr algn="ctr">
-                        <a:lnSpc>
-                          <a:spcPct val="107000"/>
-                        </a:lnSpc>
-                        <a:spcAft>
-                          <a:spcPts val="0"/>
-                        </a:spcAft>
-                      </a:pPr>
-                      <a:r>
-                        <a:rPr lang="ru-RU" sz="1600">
-                          <a:effectLst/>
-                          <a:latin typeface="Times New Roman" panose="02020603050405020304" pitchFamily="18" charset="0"/>
-                          <a:cs typeface="Times New Roman" panose="02020603050405020304" pitchFamily="18" charset="0"/>
-                        </a:rPr>
-                        <a:t>Средняя</a:t>
-                      </a:r>
-                      <a:endParaRPr lang="ru-RU" sz="1200">
-                        <a:effectLst/>
-                        <a:latin typeface="Times New Roman" panose="02020603050405020304" pitchFamily="18" charset="0"/>
-                        <a:ea typeface="Calibri" panose="020F0502020204030204" pitchFamily="34" charset="0"/>
-                        <a:cs typeface="Times New Roman" panose="02020603050405020304" pitchFamily="18" charset="0"/>
-                      </a:endParaRPr>
-                    </a:p>
-                  </a:txBody>
-                  <a:tcPr marL="33959" marR="33959" marT="0" marB="0" anchor="ctr"/>
-                </a:tc>
-                <a:tc>
-                  <a:txBody>
-                    <a:bodyPr/>
-                    <a:lstStyle/>
-                    <a:p>
-                      <a:pPr algn="ctr">
-                        <a:lnSpc>
-                          <a:spcPct val="107000"/>
-                        </a:lnSpc>
-                        <a:spcAft>
-                          <a:spcPts val="0"/>
-                        </a:spcAft>
-                      </a:pPr>
-                      <a:r>
-                        <a:rPr lang="ru-RU" sz="1600" dirty="0">
-                          <a:effectLst/>
-                          <a:latin typeface="Times New Roman" panose="02020603050405020304" pitchFamily="18" charset="0"/>
-                          <a:cs typeface="Times New Roman" panose="02020603050405020304" pitchFamily="18" charset="0"/>
-                        </a:rPr>
-                        <a:t>Средняя</a:t>
-                      </a:r>
-                      <a:endParaRPr lang="ru-RU" sz="1200" dirty="0">
-                        <a:effectLst/>
-                        <a:latin typeface="Times New Roman" panose="02020603050405020304" pitchFamily="18" charset="0"/>
-                        <a:ea typeface="Calibri" panose="020F0502020204030204" pitchFamily="34" charset="0"/>
-                        <a:cs typeface="Times New Roman" panose="02020603050405020304" pitchFamily="18" charset="0"/>
-                      </a:endParaRPr>
-                    </a:p>
-                  </a:txBody>
-                  <a:tcPr marL="33959" marR="33959" marT="0" marB="0" anchor="ctr"/>
-                </a:tc>
-                <a:tc>
-                  <a:txBody>
-                    <a:bodyPr/>
-                    <a:lstStyle/>
-                    <a:p>
-                      <a:pPr algn="ctr">
-                        <a:lnSpc>
-                          <a:spcPct val="107000"/>
-                        </a:lnSpc>
-                        <a:spcAft>
-                          <a:spcPts val="0"/>
-                        </a:spcAft>
-                      </a:pPr>
-                      <a:r>
-                        <a:rPr lang="ru-RU" sz="1600" dirty="0">
-                          <a:effectLst/>
-                          <a:latin typeface="Times New Roman" panose="02020603050405020304" pitchFamily="18" charset="0"/>
-                          <a:cs typeface="Times New Roman" panose="02020603050405020304" pitchFamily="18" charset="0"/>
-                        </a:rPr>
-                        <a:t>Городское движение, рои </a:t>
-                      </a:r>
-                      <a:r>
-                        <a:rPr lang="ru-RU" sz="1600" dirty="0" err="1">
-                          <a:effectLst/>
-                          <a:latin typeface="Times New Roman" panose="02020603050405020304" pitchFamily="18" charset="0"/>
-                          <a:cs typeface="Times New Roman" panose="02020603050405020304" pitchFamily="18" charset="0"/>
-                        </a:rPr>
-                        <a:t>дронов</a:t>
-                      </a:r>
-                      <a:endParaRPr lang="ru-RU" sz="1200" dirty="0">
-                        <a:effectLst/>
-                        <a:latin typeface="Times New Roman" panose="02020603050405020304" pitchFamily="18" charset="0"/>
-                        <a:ea typeface="Calibri" panose="020F0502020204030204" pitchFamily="34" charset="0"/>
-                        <a:cs typeface="Times New Roman" panose="02020603050405020304" pitchFamily="18" charset="0"/>
-                      </a:endParaRPr>
-                    </a:p>
-                  </a:txBody>
-                  <a:tcPr marL="33959" marR="33959" marT="0" marB="0" anchor="ctr"/>
-                </a:tc>
-              </a:tr>
-              <a:tr h="475424">
-                <a:tc>
-                  <a:txBody>
-                    <a:bodyPr/>
-                    <a:lstStyle/>
-                    <a:p>
-                      <a:pPr algn="ctr">
-                        <a:lnSpc>
-                          <a:spcPct val="150000"/>
-                        </a:lnSpc>
-                        <a:spcAft>
-                          <a:spcPts val="0"/>
-                        </a:spcAft>
-                      </a:pPr>
-                      <a:r>
-                        <a:rPr lang="ru-RU" sz="1600">
-                          <a:effectLst/>
-                          <a:latin typeface="Times New Roman" panose="02020603050405020304" pitchFamily="18" charset="0"/>
-                          <a:cs typeface="Times New Roman" panose="02020603050405020304" pitchFamily="18" charset="0"/>
-                        </a:rPr>
-                        <a:t>Transformer</a:t>
-                      </a:r>
-                      <a:endParaRPr lang="ru-RU" sz="1200">
-                        <a:effectLst/>
-                        <a:latin typeface="Times New Roman" panose="02020603050405020304" pitchFamily="18" charset="0"/>
-                        <a:ea typeface="Calibri" panose="020F0502020204030204" pitchFamily="34" charset="0"/>
-                        <a:cs typeface="Times New Roman" panose="02020603050405020304" pitchFamily="18" charset="0"/>
-                      </a:endParaRPr>
-                    </a:p>
-                  </a:txBody>
-                  <a:tcPr marL="33959" marR="33959" marT="0" marB="0" anchor="ctr"/>
-                </a:tc>
-                <a:tc>
-                  <a:txBody>
-                    <a:bodyPr/>
-                    <a:lstStyle/>
-                    <a:p>
-                      <a:pPr indent="-12065" algn="ctr">
-                        <a:lnSpc>
-                          <a:spcPct val="150000"/>
-                        </a:lnSpc>
-                        <a:spcAft>
-                          <a:spcPts val="0"/>
-                        </a:spcAft>
-                      </a:pPr>
-                      <a:r>
-                        <a:rPr lang="ru-RU" sz="1600">
-                          <a:effectLst/>
-                          <a:latin typeface="Times New Roman" panose="02020603050405020304" pitchFamily="18" charset="0"/>
-                          <a:cs typeface="Times New Roman" panose="02020603050405020304" pitchFamily="18" charset="0"/>
-                        </a:rPr>
-                        <a:t>Высокая</a:t>
-                      </a:r>
-                      <a:endParaRPr lang="ru-RU" sz="1200">
-                        <a:effectLst/>
-                        <a:latin typeface="Times New Roman" panose="02020603050405020304" pitchFamily="18" charset="0"/>
-                        <a:ea typeface="Calibri" panose="020F0502020204030204" pitchFamily="34" charset="0"/>
-                        <a:cs typeface="Times New Roman" panose="02020603050405020304" pitchFamily="18" charset="0"/>
-                      </a:endParaRPr>
-                    </a:p>
-                  </a:txBody>
-                  <a:tcPr marL="33959" marR="33959" marT="0" marB="0" anchor="ctr"/>
-                </a:tc>
-                <a:tc>
-                  <a:txBody>
-                    <a:bodyPr/>
-                    <a:lstStyle/>
-                    <a:p>
-                      <a:pPr algn="ctr">
-                        <a:lnSpc>
-                          <a:spcPct val="150000"/>
-                        </a:lnSpc>
-                        <a:spcAft>
-                          <a:spcPts val="0"/>
-                        </a:spcAft>
-                      </a:pPr>
-                      <a:r>
-                        <a:rPr lang="ru-RU" sz="1600">
-                          <a:effectLst/>
-                          <a:latin typeface="Times New Roman" panose="02020603050405020304" pitchFamily="18" charset="0"/>
-                          <a:cs typeface="Times New Roman" panose="02020603050405020304" pitchFamily="18" charset="0"/>
-                        </a:rPr>
-                        <a:t>Низкая</a:t>
-                      </a:r>
-                      <a:endParaRPr lang="ru-RU" sz="1200">
-                        <a:effectLst/>
-                        <a:latin typeface="Times New Roman" panose="02020603050405020304" pitchFamily="18" charset="0"/>
-                        <a:ea typeface="Calibri" panose="020F0502020204030204" pitchFamily="34" charset="0"/>
-                        <a:cs typeface="Times New Roman" panose="02020603050405020304" pitchFamily="18" charset="0"/>
-                      </a:endParaRPr>
-                    </a:p>
-                  </a:txBody>
-                  <a:tcPr marL="33959" marR="33959" marT="0" marB="0" anchor="ctr"/>
-                </a:tc>
-                <a:tc>
-                  <a:txBody>
-                    <a:bodyPr/>
-                    <a:lstStyle/>
-                    <a:p>
-                      <a:pPr algn="ctr">
-                        <a:lnSpc>
-                          <a:spcPct val="150000"/>
-                        </a:lnSpc>
-                        <a:spcAft>
-                          <a:spcPts val="0"/>
-                        </a:spcAft>
-                      </a:pPr>
-                      <a:r>
-                        <a:rPr lang="ru-RU" sz="1600" dirty="0">
-                          <a:effectLst/>
-                          <a:latin typeface="Times New Roman" panose="02020603050405020304" pitchFamily="18" charset="0"/>
-                          <a:cs typeface="Times New Roman" panose="02020603050405020304" pitchFamily="18" charset="0"/>
-                        </a:rPr>
-                        <a:t>Низкая</a:t>
-                      </a:r>
-                      <a:endParaRPr lang="ru-RU" sz="1200" dirty="0">
-                        <a:effectLst/>
-                        <a:latin typeface="Times New Roman" panose="02020603050405020304" pitchFamily="18" charset="0"/>
-                        <a:ea typeface="Calibri" panose="020F0502020204030204" pitchFamily="34" charset="0"/>
-                        <a:cs typeface="Times New Roman" panose="02020603050405020304" pitchFamily="18" charset="0"/>
-                      </a:endParaRPr>
-                    </a:p>
-                  </a:txBody>
-                  <a:tcPr marL="33959" marR="33959" marT="0" marB="0" anchor="ctr"/>
-                </a:tc>
-                <a:tc>
-                  <a:txBody>
-                    <a:bodyPr/>
-                    <a:lstStyle/>
-                    <a:p>
-                      <a:pPr indent="-6985" algn="ctr">
-                        <a:lnSpc>
-                          <a:spcPct val="150000"/>
-                        </a:lnSpc>
-                        <a:spcAft>
-                          <a:spcPts val="0"/>
-                        </a:spcAft>
-                      </a:pPr>
-                      <a:r>
-                        <a:rPr lang="ru-RU" sz="1600" dirty="0" err="1">
-                          <a:effectLst/>
-                          <a:latin typeface="Times New Roman" panose="02020603050405020304" pitchFamily="18" charset="0"/>
-                          <a:cs typeface="Times New Roman" panose="02020603050405020304" pitchFamily="18" charset="0"/>
-                        </a:rPr>
-                        <a:t>Мультиагентные</a:t>
-                      </a:r>
-                      <a:r>
-                        <a:rPr lang="ru-RU" sz="1600" dirty="0">
-                          <a:effectLst/>
-                          <a:latin typeface="Times New Roman" panose="02020603050405020304" pitchFamily="18" charset="0"/>
-                          <a:cs typeface="Times New Roman" panose="02020603050405020304" pitchFamily="18" charset="0"/>
-                        </a:rPr>
-                        <a:t> сценарии</a:t>
-                      </a:r>
-                      <a:endParaRPr lang="ru-RU" sz="1200" dirty="0">
-                        <a:effectLst/>
-                        <a:latin typeface="Times New Roman" panose="02020603050405020304" pitchFamily="18" charset="0"/>
-                        <a:ea typeface="Calibri" panose="020F0502020204030204" pitchFamily="34" charset="0"/>
-                        <a:cs typeface="Times New Roman" panose="02020603050405020304" pitchFamily="18" charset="0"/>
-                      </a:endParaRPr>
-                    </a:p>
-                  </a:txBody>
-                  <a:tcPr marL="33959" marR="33959" marT="0" marB="0" anchor="ctr"/>
-                </a:tc>
-              </a:tr>
-              <a:tr h="475424">
-                <a:tc>
-                  <a:txBody>
-                    <a:bodyPr/>
-                    <a:lstStyle/>
-                    <a:p>
-                      <a:pPr algn="ctr">
-                        <a:lnSpc>
-                          <a:spcPct val="150000"/>
-                        </a:lnSpc>
-                        <a:spcAft>
-                          <a:spcPts val="0"/>
-                        </a:spcAft>
-                      </a:pPr>
-                      <a:r>
-                        <a:rPr lang="ru-RU" sz="1600">
-                          <a:effectLst/>
-                          <a:latin typeface="Times New Roman" panose="02020603050405020304" pitchFamily="18" charset="0"/>
-                          <a:cs typeface="Times New Roman" panose="02020603050405020304" pitchFamily="18" charset="0"/>
-                        </a:rPr>
-                        <a:t>Гибридные модели</a:t>
-                      </a:r>
-                      <a:endParaRPr lang="ru-RU" sz="1200">
-                        <a:effectLst/>
-                        <a:latin typeface="Times New Roman" panose="02020603050405020304" pitchFamily="18" charset="0"/>
-                        <a:ea typeface="Calibri" panose="020F0502020204030204" pitchFamily="34" charset="0"/>
-                        <a:cs typeface="Times New Roman" panose="02020603050405020304" pitchFamily="18" charset="0"/>
-                      </a:endParaRPr>
-                    </a:p>
-                  </a:txBody>
-                  <a:tcPr marL="33959" marR="33959" marT="0" marB="0" anchor="ctr"/>
-                </a:tc>
-                <a:tc>
-                  <a:txBody>
-                    <a:bodyPr/>
-                    <a:lstStyle/>
-                    <a:p>
-                      <a:pPr indent="-12065" algn="ctr">
-                        <a:lnSpc>
-                          <a:spcPct val="150000"/>
-                        </a:lnSpc>
-                        <a:spcAft>
-                          <a:spcPts val="0"/>
-                        </a:spcAft>
-                      </a:pPr>
-                      <a:r>
-                        <a:rPr lang="ru-RU" sz="1600">
-                          <a:effectLst/>
-                          <a:latin typeface="Times New Roman" panose="02020603050405020304" pitchFamily="18" charset="0"/>
-                          <a:cs typeface="Times New Roman" panose="02020603050405020304" pitchFamily="18" charset="0"/>
-                        </a:rPr>
-                        <a:t>Высокая</a:t>
-                      </a:r>
-                      <a:endParaRPr lang="ru-RU" sz="1200">
-                        <a:effectLst/>
-                        <a:latin typeface="Times New Roman" panose="02020603050405020304" pitchFamily="18" charset="0"/>
-                        <a:ea typeface="Calibri" panose="020F0502020204030204" pitchFamily="34" charset="0"/>
-                        <a:cs typeface="Times New Roman" panose="02020603050405020304" pitchFamily="18" charset="0"/>
-                      </a:endParaRPr>
-                    </a:p>
-                  </a:txBody>
-                  <a:tcPr marL="33959" marR="33959" marT="0" marB="0" anchor="ctr"/>
-                </a:tc>
-                <a:tc>
-                  <a:txBody>
-                    <a:bodyPr/>
-                    <a:lstStyle/>
-                    <a:p>
-                      <a:pPr algn="ctr">
-                        <a:lnSpc>
-                          <a:spcPct val="150000"/>
-                        </a:lnSpc>
-                        <a:spcAft>
-                          <a:spcPts val="0"/>
-                        </a:spcAft>
-                      </a:pPr>
-                      <a:r>
-                        <a:rPr lang="ru-RU" sz="1600">
-                          <a:effectLst/>
-                          <a:latin typeface="Times New Roman" panose="02020603050405020304" pitchFamily="18" charset="0"/>
-                          <a:cs typeface="Times New Roman" panose="02020603050405020304" pitchFamily="18" charset="0"/>
-                        </a:rPr>
-                        <a:t>Средняя</a:t>
-                      </a:r>
-                      <a:endParaRPr lang="ru-RU" sz="1200">
-                        <a:effectLst/>
-                        <a:latin typeface="Times New Roman" panose="02020603050405020304" pitchFamily="18" charset="0"/>
-                        <a:ea typeface="Calibri" panose="020F0502020204030204" pitchFamily="34" charset="0"/>
-                        <a:cs typeface="Times New Roman" panose="02020603050405020304" pitchFamily="18" charset="0"/>
-                      </a:endParaRPr>
-                    </a:p>
-                  </a:txBody>
-                  <a:tcPr marL="33959" marR="33959" marT="0" marB="0" anchor="ctr"/>
-                </a:tc>
-                <a:tc>
-                  <a:txBody>
-                    <a:bodyPr/>
-                    <a:lstStyle/>
-                    <a:p>
-                      <a:pPr algn="ctr">
-                        <a:lnSpc>
-                          <a:spcPct val="150000"/>
-                        </a:lnSpc>
-                        <a:spcAft>
-                          <a:spcPts val="0"/>
-                        </a:spcAft>
-                      </a:pPr>
-                      <a:r>
-                        <a:rPr lang="ru-RU" sz="1600" dirty="0">
-                          <a:effectLst/>
-                          <a:latin typeface="Times New Roman" panose="02020603050405020304" pitchFamily="18" charset="0"/>
-                          <a:cs typeface="Times New Roman" panose="02020603050405020304" pitchFamily="18" charset="0"/>
-                        </a:rPr>
-                        <a:t>Средняя</a:t>
-                      </a:r>
-                      <a:endParaRPr lang="ru-RU" sz="1200" dirty="0">
-                        <a:effectLst/>
-                        <a:latin typeface="Times New Roman" panose="02020603050405020304" pitchFamily="18" charset="0"/>
-                        <a:ea typeface="Calibri" panose="020F0502020204030204" pitchFamily="34" charset="0"/>
-                        <a:cs typeface="Times New Roman" panose="02020603050405020304" pitchFamily="18" charset="0"/>
-                      </a:endParaRPr>
-                    </a:p>
-                  </a:txBody>
-                  <a:tcPr marL="33959" marR="33959" marT="0" marB="0" anchor="ctr"/>
-                </a:tc>
-                <a:tc>
-                  <a:txBody>
-                    <a:bodyPr/>
-                    <a:lstStyle/>
-                    <a:p>
-                      <a:pPr indent="-6985" algn="ctr">
-                        <a:lnSpc>
-                          <a:spcPct val="150000"/>
-                        </a:lnSpc>
-                        <a:spcAft>
-                          <a:spcPts val="0"/>
-                        </a:spcAft>
-                      </a:pPr>
-                      <a:r>
-                        <a:rPr lang="ru-RU" sz="1600" dirty="0">
-                          <a:effectLst/>
-                          <a:latin typeface="Times New Roman" panose="02020603050405020304" pitchFamily="18" charset="0"/>
-                          <a:cs typeface="Times New Roman" panose="02020603050405020304" pitchFamily="18" charset="0"/>
-                        </a:rPr>
-                        <a:t>Транспорт, </a:t>
-                      </a:r>
-                      <a:r>
-                        <a:rPr lang="ru-RU" sz="1600" dirty="0" err="1">
-                          <a:effectLst/>
-                          <a:latin typeface="Times New Roman" panose="02020603050405020304" pitchFamily="18" charset="0"/>
-                          <a:cs typeface="Times New Roman" panose="02020603050405020304" pitchFamily="18" charset="0"/>
-                        </a:rPr>
-                        <a:t>дроны</a:t>
-                      </a:r>
-                      <a:endParaRPr lang="ru-RU" sz="1200" dirty="0">
-                        <a:effectLst/>
-                        <a:latin typeface="Times New Roman" panose="02020603050405020304" pitchFamily="18" charset="0"/>
-                        <a:ea typeface="Calibri" panose="020F0502020204030204" pitchFamily="34" charset="0"/>
-                        <a:cs typeface="Times New Roman" panose="02020603050405020304" pitchFamily="18" charset="0"/>
-                      </a:endParaRPr>
-                    </a:p>
-                  </a:txBody>
-                  <a:tcPr marL="33959" marR="33959" marT="0" marB="0" anchor="ctr"/>
-                </a:tc>
-              </a:tr>
-              <a:tr h="776096">
-                <a:tc>
-                  <a:txBody>
-                    <a:bodyPr/>
-                    <a:lstStyle/>
-                    <a:p>
-                      <a:pPr algn="ctr">
-                        <a:lnSpc>
-                          <a:spcPct val="150000"/>
-                        </a:lnSpc>
-                        <a:spcAft>
-                          <a:spcPts val="0"/>
-                        </a:spcAft>
-                      </a:pPr>
-                      <a:r>
-                        <a:rPr lang="ru-RU" sz="1600">
-                          <a:effectLst/>
-                          <a:latin typeface="Times New Roman" panose="02020603050405020304" pitchFamily="18" charset="0"/>
-                          <a:cs typeface="Times New Roman" panose="02020603050405020304" pitchFamily="18" charset="0"/>
-                        </a:rPr>
-                        <a:t>Фильтр Калмана</a:t>
-                      </a:r>
-                      <a:endParaRPr lang="ru-RU" sz="1200">
-                        <a:effectLst/>
-                        <a:latin typeface="Times New Roman" panose="02020603050405020304" pitchFamily="18" charset="0"/>
-                        <a:ea typeface="Calibri" panose="020F0502020204030204" pitchFamily="34" charset="0"/>
-                        <a:cs typeface="Times New Roman" panose="02020603050405020304" pitchFamily="18" charset="0"/>
-                      </a:endParaRPr>
-                    </a:p>
-                  </a:txBody>
-                  <a:tcPr marL="33959" marR="33959" marT="0" marB="0" anchor="ctr"/>
-                </a:tc>
-                <a:tc>
-                  <a:txBody>
-                    <a:bodyPr/>
-                    <a:lstStyle/>
-                    <a:p>
-                      <a:pPr indent="-12065" algn="ctr">
-                        <a:lnSpc>
-                          <a:spcPct val="150000"/>
-                        </a:lnSpc>
-                        <a:spcAft>
-                          <a:spcPts val="0"/>
-                        </a:spcAft>
-                      </a:pPr>
-                      <a:r>
-                        <a:rPr lang="ru-RU" sz="1600" dirty="0">
-                          <a:effectLst/>
-                          <a:latin typeface="Times New Roman" panose="02020603050405020304" pitchFamily="18" charset="0"/>
-                          <a:cs typeface="Times New Roman" panose="02020603050405020304" pitchFamily="18" charset="0"/>
-                        </a:rPr>
-                        <a:t>Средняя</a:t>
-                      </a:r>
-                      <a:endParaRPr lang="ru-RU" sz="1200" dirty="0">
-                        <a:effectLst/>
-                        <a:latin typeface="Times New Roman" panose="02020603050405020304" pitchFamily="18" charset="0"/>
-                        <a:ea typeface="Calibri" panose="020F0502020204030204" pitchFamily="34" charset="0"/>
-                        <a:cs typeface="Times New Roman" panose="02020603050405020304" pitchFamily="18" charset="0"/>
-                      </a:endParaRPr>
-                    </a:p>
-                  </a:txBody>
-                  <a:tcPr marL="33959" marR="33959" marT="0" marB="0" anchor="ctr"/>
-                </a:tc>
-                <a:tc>
-                  <a:txBody>
-                    <a:bodyPr/>
-                    <a:lstStyle/>
-                    <a:p>
-                      <a:pPr algn="ctr">
-                        <a:lnSpc>
-                          <a:spcPct val="150000"/>
-                        </a:lnSpc>
-                        <a:spcAft>
-                          <a:spcPts val="0"/>
-                        </a:spcAft>
-                      </a:pPr>
-                      <a:r>
-                        <a:rPr lang="ru-RU" sz="1600">
-                          <a:effectLst/>
-                          <a:latin typeface="Times New Roman" panose="02020603050405020304" pitchFamily="18" charset="0"/>
-                          <a:cs typeface="Times New Roman" panose="02020603050405020304" pitchFamily="18" charset="0"/>
-                        </a:rPr>
-                        <a:t>Высокая</a:t>
-                      </a:r>
-                      <a:endParaRPr lang="ru-RU" sz="1200">
-                        <a:effectLst/>
-                        <a:latin typeface="Times New Roman" panose="02020603050405020304" pitchFamily="18" charset="0"/>
-                        <a:ea typeface="Calibri" panose="020F0502020204030204" pitchFamily="34" charset="0"/>
-                        <a:cs typeface="Times New Roman" panose="02020603050405020304" pitchFamily="18" charset="0"/>
-                      </a:endParaRPr>
-                    </a:p>
-                  </a:txBody>
-                  <a:tcPr marL="33959" marR="33959" marT="0" marB="0" anchor="ctr"/>
-                </a:tc>
-                <a:tc>
-                  <a:txBody>
-                    <a:bodyPr/>
-                    <a:lstStyle/>
-                    <a:p>
-                      <a:pPr algn="ctr">
-                        <a:lnSpc>
-                          <a:spcPct val="150000"/>
-                        </a:lnSpc>
-                        <a:spcAft>
-                          <a:spcPts val="0"/>
-                        </a:spcAft>
-                      </a:pPr>
-                      <a:r>
-                        <a:rPr lang="ru-RU" sz="1600" dirty="0">
-                          <a:effectLst/>
-                          <a:latin typeface="Times New Roman" panose="02020603050405020304" pitchFamily="18" charset="0"/>
-                          <a:cs typeface="Times New Roman" panose="02020603050405020304" pitchFamily="18" charset="0"/>
-                        </a:rPr>
-                        <a:t>Высокая</a:t>
-                      </a:r>
-                      <a:endParaRPr lang="ru-RU" sz="1200" dirty="0">
-                        <a:effectLst/>
-                        <a:latin typeface="Times New Roman" panose="02020603050405020304" pitchFamily="18" charset="0"/>
-                        <a:ea typeface="Calibri" panose="020F0502020204030204" pitchFamily="34" charset="0"/>
-                        <a:cs typeface="Times New Roman" panose="02020603050405020304" pitchFamily="18" charset="0"/>
-                      </a:endParaRPr>
-                    </a:p>
-                  </a:txBody>
-                  <a:tcPr marL="33959" marR="33959" marT="0" marB="0" anchor="ctr"/>
-                </a:tc>
-                <a:tc>
-                  <a:txBody>
-                    <a:bodyPr/>
-                    <a:lstStyle/>
-                    <a:p>
-                      <a:pPr indent="-6985" algn="ctr">
-                        <a:lnSpc>
-                          <a:spcPct val="150000"/>
-                        </a:lnSpc>
-                        <a:spcAft>
-                          <a:spcPts val="0"/>
-                        </a:spcAft>
-                      </a:pPr>
-                      <a:r>
-                        <a:rPr lang="ru-RU" sz="1600" dirty="0">
-                          <a:effectLst/>
-                          <a:latin typeface="Times New Roman" panose="02020603050405020304" pitchFamily="18" charset="0"/>
-                          <a:cs typeface="Times New Roman" panose="02020603050405020304" pitchFamily="18" charset="0"/>
-                        </a:rPr>
-                        <a:t>Навигация в простой среде</a:t>
-                      </a:r>
-                      <a:endParaRPr lang="ru-RU" sz="1200" dirty="0">
-                        <a:effectLst/>
-                        <a:latin typeface="Times New Roman" panose="02020603050405020304" pitchFamily="18" charset="0"/>
-                        <a:ea typeface="Calibri" panose="020F0502020204030204" pitchFamily="34" charset="0"/>
-                        <a:cs typeface="Times New Roman" panose="02020603050405020304" pitchFamily="18" charset="0"/>
-                      </a:endParaRPr>
-                    </a:p>
-                  </a:txBody>
-                  <a:tcPr marL="33959" marR="33959" marT="0" marB="0" anchor="ctr"/>
-                </a:tc>
-              </a:tr>
-            </a:tbl>
-          </a:graphicData>
-        </a:graphic>
-      </p:graphicFrame>
-    </p:spTree>
-    <p:extLst>
-      <p:ext uri="{BB962C8B-B14F-4D97-AF65-F5344CB8AC3E}">
-        <p14:creationId xmlns:p14="http://schemas.microsoft.com/office/powerpoint/2010/main" val="1165458103"/>
-      </p:ext>
-    </p:extLst>
-  </p:cSld>
-  <p:clrMapOvr>
-    <a:masterClrMapping/>
-  </p:clrMapOvr>
-  <p:timing>
-    <p:tnLst>
-      <p:par>
-        <p:cTn id="1" dur="indefinite" restart="never" nodeType="tmRoot"/>
-      </p:par>
-    </p:tnLst>
-  </p:timing>
-</p:sld>
-</file>
-
-<file path=ppt/slides/slide8.xml><?xml version="1.0" encoding="utf-8"?>
 <p:sld xmlns:a="http://schemas.openxmlformats.org/drawingml/2006/main" xmlns:r="http://schemas.openxmlformats.org/officeDocument/2006/relationships" xmlns:p="http://schemas.openxmlformats.org/presentationml/2006/main">
   <p:cSld>
     <p:spTree>
@@ -14338,6 +12806,1663 @@
       </p:par>
     </p:tnLst>
   </p:timing>
+</p:sld>
+</file>
+
+<file path=ppt/slides/slide8.xml><?xml version="1.0" encoding="utf-8"?>
+<p:sld xmlns:a="http://schemas.openxmlformats.org/drawingml/2006/main" xmlns:r="http://schemas.openxmlformats.org/officeDocument/2006/relationships" xmlns:p="http://schemas.openxmlformats.org/presentationml/2006/main">
+  <p:cSld>
+    <p:spTree>
+      <p:nvGrpSpPr>
+        <p:cNvPr id="1" name=""/>
+        <p:cNvGrpSpPr/>
+        <p:nvPr/>
+      </p:nvGrpSpPr>
+      <p:grpSpPr>
+        <a:xfrm>
+          <a:off x="0" y="0"/>
+          <a:ext cx="0" cy="0"/>
+          <a:chOff x="0" y="0"/>
+          <a:chExt cx="0" cy="0"/>
+        </a:xfrm>
+      </p:grpSpPr>
+      <p:sp>
+        <p:nvSpPr>
+          <p:cNvPr id="2" name="Title 1"/>
+          <p:cNvSpPr>
+            <a:spLocks noGrp="1"/>
+          </p:cNvSpPr>
+          <p:nvPr>
+            <p:ph type="title"/>
+          </p:nvPr>
+        </p:nvSpPr>
+        <p:spPr>
+          <a:xfrm>
+            <a:off x="457200" y="0"/>
+            <a:ext cx="8229600" cy="1143000"/>
+          </a:xfrm>
+        </p:spPr>
+        <p:txBody>
+          <a:bodyPr/>
+          <a:lstStyle/>
+          <a:p>
+            <a:r>
+              <a:rPr lang="ru-RU" dirty="0" smtClean="0"/>
+              <a:t>Сравнение методов по метрикам</a:t>
+            </a:r>
+            <a:endParaRPr lang="ru-RU" dirty="0"/>
+          </a:p>
+        </p:txBody>
+      </p:sp>
+      <p:graphicFrame>
+        <p:nvGraphicFramePr>
+          <p:cNvPr id="5" name="Table 4"/>
+          <p:cNvGraphicFramePr>
+            <a:graphicFrameLocks noGrp="1"/>
+          </p:cNvGraphicFramePr>
+          <p:nvPr>
+            <p:extLst>
+              <p:ext uri="{D42A27DB-BD31-4B8C-83A1-F6EECF244321}">
+                <p14:modId xmlns:p14="http://schemas.microsoft.com/office/powerpoint/2010/main" val="4111664037"/>
+              </p:ext>
+            </p:extLst>
+          </p:nvPr>
+        </p:nvGraphicFramePr>
+        <p:xfrm>
+          <a:off x="457198" y="1143000"/>
+          <a:ext cx="8229601" cy="5472951"/>
+        </p:xfrm>
+        <a:graphic>
+          <a:graphicData uri="http://schemas.openxmlformats.org/drawingml/2006/table">
+            <a:tbl>
+              <a:tblPr firstRow="1" firstCol="1" bandRow="1">
+                <a:tableStyleId>{C60AF1F3-BC3B-4878-BCF0-3F3E32A6FC54}</a:tableStyleId>
+              </a:tblPr>
+              <a:tblGrid>
+                <a:gridCol w="1362865"/>
+                <a:gridCol w="1034278"/>
+                <a:gridCol w="1505741"/>
+                <a:gridCol w="1565972"/>
+                <a:gridCol w="1481651"/>
+                <a:gridCol w="1279094"/>
+              </a:tblGrid>
+              <a:tr h="704853">
+                <a:tc>
+                  <a:txBody>
+                    <a:bodyPr/>
+                    <a:lstStyle/>
+                    <a:p>
+                      <a:pPr algn="ctr">
+                        <a:lnSpc>
+                          <a:spcPct val="150000"/>
+                        </a:lnSpc>
+                        <a:spcAft>
+                          <a:spcPts val="0"/>
+                        </a:spcAft>
+                      </a:pPr>
+                      <a:r>
+                        <a:rPr lang="ru-RU" sz="1600" dirty="0">
+                          <a:effectLst/>
+                        </a:rPr>
+                        <a:t>Метод</a:t>
+                      </a:r>
+                      <a:endParaRPr lang="ru-RU" sz="1600" dirty="0">
+                        <a:effectLst/>
+                        <a:latin typeface="Times New Roman" panose="02020603050405020304" pitchFamily="18" charset="0"/>
+                        <a:ea typeface="Calibri" panose="020F0502020204030204" pitchFamily="34" charset="0"/>
+                      </a:endParaRPr>
+                    </a:p>
+                  </a:txBody>
+                  <a:tcPr marL="51045" marR="51045" marT="0" marB="0"/>
+                </a:tc>
+                <a:tc>
+                  <a:txBody>
+                    <a:bodyPr/>
+                    <a:lstStyle/>
+                    <a:p>
+                      <a:pPr algn="ctr">
+                        <a:lnSpc>
+                          <a:spcPct val="150000"/>
+                        </a:lnSpc>
+                        <a:spcAft>
+                          <a:spcPts val="0"/>
+                        </a:spcAft>
+                      </a:pPr>
+                      <a:r>
+                        <a:rPr lang="ru-RU" sz="1600">
+                          <a:effectLst/>
+                        </a:rPr>
+                        <a:t>ADE (м)</a:t>
+                      </a:r>
+                      <a:br>
+                        <a:rPr lang="ru-RU" sz="1600">
+                          <a:effectLst/>
+                        </a:rPr>
+                      </a:br>
+                      <a:r>
+                        <a:rPr lang="ru-RU" sz="1600">
+                          <a:effectLst/>
+                        </a:rPr>
+                        <a:t>5 сек</a:t>
+                      </a:r>
+                      <a:endParaRPr lang="ru-RU" sz="1600">
+                        <a:effectLst/>
+                        <a:latin typeface="Times New Roman" panose="02020603050405020304" pitchFamily="18" charset="0"/>
+                        <a:ea typeface="Calibri" panose="020F0502020204030204" pitchFamily="34" charset="0"/>
+                      </a:endParaRPr>
+                    </a:p>
+                  </a:txBody>
+                  <a:tcPr marL="51045" marR="51045" marT="0" marB="0"/>
+                </a:tc>
+                <a:tc>
+                  <a:txBody>
+                    <a:bodyPr/>
+                    <a:lstStyle/>
+                    <a:p>
+                      <a:pPr algn="ctr">
+                        <a:lnSpc>
+                          <a:spcPct val="150000"/>
+                        </a:lnSpc>
+                        <a:spcAft>
+                          <a:spcPts val="0"/>
+                        </a:spcAft>
+                      </a:pPr>
+                      <a:r>
+                        <a:rPr lang="ru-RU" sz="1600">
+                          <a:effectLst/>
+                        </a:rPr>
+                        <a:t>FDE (м)</a:t>
+                      </a:r>
+                      <a:br>
+                        <a:rPr lang="ru-RU" sz="1600">
+                          <a:effectLst/>
+                        </a:rPr>
+                      </a:br>
+                      <a:r>
+                        <a:rPr lang="ru-RU" sz="1600">
+                          <a:effectLst/>
+                        </a:rPr>
+                        <a:t>5 сек</a:t>
+                      </a:r>
+                      <a:endParaRPr lang="ru-RU" sz="1600">
+                        <a:effectLst/>
+                        <a:latin typeface="Times New Roman" panose="02020603050405020304" pitchFamily="18" charset="0"/>
+                        <a:ea typeface="Calibri" panose="020F0502020204030204" pitchFamily="34" charset="0"/>
+                      </a:endParaRPr>
+                    </a:p>
+                  </a:txBody>
+                  <a:tcPr marL="51045" marR="51045" marT="0" marB="0"/>
+                </a:tc>
+                <a:tc>
+                  <a:txBody>
+                    <a:bodyPr/>
+                    <a:lstStyle/>
+                    <a:p>
+                      <a:pPr algn="ctr">
+                        <a:lnSpc>
+                          <a:spcPct val="150000"/>
+                        </a:lnSpc>
+                        <a:spcAft>
+                          <a:spcPts val="0"/>
+                        </a:spcAft>
+                      </a:pPr>
+                      <a:r>
+                        <a:rPr lang="ru-RU" sz="1600">
+                          <a:effectLst/>
+                        </a:rPr>
+                        <a:t>MSE (м²)</a:t>
+                      </a:r>
+                      <a:br>
+                        <a:rPr lang="ru-RU" sz="1600">
+                          <a:effectLst/>
+                        </a:rPr>
+                      </a:br>
+                      <a:r>
+                        <a:rPr lang="ru-RU" sz="1600">
+                          <a:effectLst/>
+                        </a:rPr>
+                        <a:t>5 сек</a:t>
+                      </a:r>
+                      <a:endParaRPr lang="ru-RU" sz="1600">
+                        <a:effectLst/>
+                        <a:latin typeface="Times New Roman" panose="02020603050405020304" pitchFamily="18" charset="0"/>
+                        <a:ea typeface="Calibri" panose="020F0502020204030204" pitchFamily="34" charset="0"/>
+                      </a:endParaRPr>
+                    </a:p>
+                  </a:txBody>
+                  <a:tcPr marL="51045" marR="51045" marT="0" marB="0"/>
+                </a:tc>
+                <a:tc>
+                  <a:txBody>
+                    <a:bodyPr/>
+                    <a:lstStyle/>
+                    <a:p>
+                      <a:pPr algn="ctr">
+                        <a:lnSpc>
+                          <a:spcPct val="150000"/>
+                        </a:lnSpc>
+                        <a:spcAft>
+                          <a:spcPts val="0"/>
+                        </a:spcAft>
+                      </a:pPr>
+                      <a:r>
+                        <a:rPr lang="ru-RU" sz="1600">
+                          <a:effectLst/>
+                        </a:rPr>
+                        <a:t>Латентность (мс)</a:t>
+                      </a:r>
+                      <a:endParaRPr lang="ru-RU" sz="1600">
+                        <a:effectLst/>
+                        <a:latin typeface="Times New Roman" panose="02020603050405020304" pitchFamily="18" charset="0"/>
+                        <a:ea typeface="Calibri" panose="020F0502020204030204" pitchFamily="34" charset="0"/>
+                      </a:endParaRPr>
+                    </a:p>
+                  </a:txBody>
+                  <a:tcPr marL="51045" marR="51045" marT="0" marB="0"/>
+                </a:tc>
+                <a:tc>
+                  <a:txBody>
+                    <a:bodyPr/>
+                    <a:lstStyle/>
+                    <a:p>
+                      <a:pPr algn="ctr">
+                        <a:lnSpc>
+                          <a:spcPct val="150000"/>
+                        </a:lnSpc>
+                        <a:spcAft>
+                          <a:spcPts val="0"/>
+                        </a:spcAft>
+                      </a:pPr>
+                      <a:r>
+                        <a:rPr lang="ru-RU" sz="1600">
+                          <a:effectLst/>
+                        </a:rPr>
+                        <a:t>Ресурсы (RAM)</a:t>
+                      </a:r>
+                      <a:endParaRPr lang="ru-RU" sz="1600">
+                        <a:effectLst/>
+                        <a:latin typeface="Times New Roman" panose="02020603050405020304" pitchFamily="18" charset="0"/>
+                        <a:ea typeface="Calibri" panose="020F0502020204030204" pitchFamily="34" charset="0"/>
+                      </a:endParaRPr>
+                    </a:p>
+                  </a:txBody>
+                  <a:tcPr marL="51045" marR="51045" marT="0" marB="0"/>
+                </a:tc>
+              </a:tr>
+              <a:tr h="782346">
+                <a:tc>
+                  <a:txBody>
+                    <a:bodyPr/>
+                    <a:lstStyle/>
+                    <a:p>
+                      <a:pPr algn="ctr">
+                        <a:lnSpc>
+                          <a:spcPct val="150000"/>
+                        </a:lnSpc>
+                        <a:spcAft>
+                          <a:spcPts val="0"/>
+                        </a:spcAft>
+                      </a:pPr>
+                      <a:r>
+                        <a:rPr lang="ru-RU" sz="1600" dirty="0">
+                          <a:effectLst/>
+                        </a:rPr>
+                        <a:t>Физические модели</a:t>
+                      </a:r>
+                      <a:endParaRPr lang="ru-RU" sz="1600" dirty="0">
+                        <a:effectLst/>
+                        <a:latin typeface="Times New Roman" panose="02020603050405020304" pitchFamily="18" charset="0"/>
+                        <a:ea typeface="Calibri" panose="020F0502020204030204" pitchFamily="34" charset="0"/>
+                      </a:endParaRPr>
+                    </a:p>
+                  </a:txBody>
+                  <a:tcPr marL="51045" marR="51045" marT="0" marB="0"/>
+                </a:tc>
+                <a:tc>
+                  <a:txBody>
+                    <a:bodyPr/>
+                    <a:lstStyle/>
+                    <a:p>
+                      <a:pPr algn="ctr">
+                        <a:lnSpc>
+                          <a:spcPct val="150000"/>
+                        </a:lnSpc>
+                        <a:spcAft>
+                          <a:spcPts val="0"/>
+                        </a:spcAft>
+                      </a:pPr>
+                      <a:r>
+                        <a:rPr lang="ru-RU" sz="1600" dirty="0">
+                          <a:effectLst/>
+                        </a:rPr>
+                        <a:t>1.2-2.0</a:t>
+                      </a:r>
+                      <a:endParaRPr lang="ru-RU" sz="1600" dirty="0">
+                        <a:effectLst/>
+                        <a:latin typeface="Times New Roman" panose="02020603050405020304" pitchFamily="18" charset="0"/>
+                        <a:ea typeface="Calibri" panose="020F0502020204030204" pitchFamily="34" charset="0"/>
+                      </a:endParaRPr>
+                    </a:p>
+                  </a:txBody>
+                  <a:tcPr marL="51045" marR="51045" marT="0" marB="0"/>
+                </a:tc>
+                <a:tc>
+                  <a:txBody>
+                    <a:bodyPr/>
+                    <a:lstStyle/>
+                    <a:p>
+                      <a:pPr algn="ctr">
+                        <a:lnSpc>
+                          <a:spcPct val="150000"/>
+                        </a:lnSpc>
+                        <a:spcAft>
+                          <a:spcPts val="0"/>
+                        </a:spcAft>
+                      </a:pPr>
+                      <a:r>
+                        <a:rPr lang="ru-RU" sz="1600" dirty="0">
+                          <a:effectLst/>
+                        </a:rPr>
+                        <a:t>2.5-4.0</a:t>
+                      </a:r>
+                      <a:endParaRPr lang="ru-RU" sz="1600" dirty="0">
+                        <a:effectLst/>
+                        <a:latin typeface="Times New Roman" panose="02020603050405020304" pitchFamily="18" charset="0"/>
+                        <a:ea typeface="Calibri" panose="020F0502020204030204" pitchFamily="34" charset="0"/>
+                      </a:endParaRPr>
+                    </a:p>
+                  </a:txBody>
+                  <a:tcPr marL="51045" marR="51045" marT="0" marB="0"/>
+                </a:tc>
+                <a:tc>
+                  <a:txBody>
+                    <a:bodyPr/>
+                    <a:lstStyle/>
+                    <a:p>
+                      <a:pPr algn="ctr">
+                        <a:lnSpc>
+                          <a:spcPct val="150000"/>
+                        </a:lnSpc>
+                        <a:spcAft>
+                          <a:spcPts val="0"/>
+                        </a:spcAft>
+                      </a:pPr>
+                      <a:r>
+                        <a:rPr lang="ru-RU" sz="1600">
+                          <a:effectLst/>
+                        </a:rPr>
+                        <a:t>1.5-4.0</a:t>
+                      </a:r>
+                      <a:endParaRPr lang="ru-RU" sz="1600">
+                        <a:effectLst/>
+                        <a:latin typeface="Times New Roman" panose="02020603050405020304" pitchFamily="18" charset="0"/>
+                        <a:ea typeface="Calibri" panose="020F0502020204030204" pitchFamily="34" charset="0"/>
+                      </a:endParaRPr>
+                    </a:p>
+                  </a:txBody>
+                  <a:tcPr marL="51045" marR="51045" marT="0" marB="0"/>
+                </a:tc>
+                <a:tc>
+                  <a:txBody>
+                    <a:bodyPr/>
+                    <a:lstStyle/>
+                    <a:p>
+                      <a:pPr algn="ctr">
+                        <a:lnSpc>
+                          <a:spcPct val="150000"/>
+                        </a:lnSpc>
+                        <a:spcAft>
+                          <a:spcPts val="0"/>
+                        </a:spcAft>
+                      </a:pPr>
+                      <a:r>
+                        <a:rPr lang="ru-RU" sz="1600">
+                          <a:effectLst/>
+                        </a:rPr>
+                        <a:t>1-5</a:t>
+                      </a:r>
+                      <a:endParaRPr lang="ru-RU" sz="1600">
+                        <a:effectLst/>
+                        <a:latin typeface="Times New Roman" panose="02020603050405020304" pitchFamily="18" charset="0"/>
+                        <a:ea typeface="Calibri" panose="020F0502020204030204" pitchFamily="34" charset="0"/>
+                      </a:endParaRPr>
+                    </a:p>
+                  </a:txBody>
+                  <a:tcPr marL="51045" marR="51045" marT="0" marB="0"/>
+                </a:tc>
+                <a:tc>
+                  <a:txBody>
+                    <a:bodyPr/>
+                    <a:lstStyle/>
+                    <a:p>
+                      <a:pPr algn="ctr">
+                        <a:lnSpc>
+                          <a:spcPct val="150000"/>
+                        </a:lnSpc>
+                        <a:spcAft>
+                          <a:spcPts val="0"/>
+                        </a:spcAft>
+                      </a:pPr>
+                      <a:r>
+                        <a:rPr lang="ru-RU" sz="1600">
+                          <a:effectLst/>
+                        </a:rPr>
+                        <a:t>&lt; 50 МБ</a:t>
+                      </a:r>
+                      <a:endParaRPr lang="ru-RU" sz="1600">
+                        <a:effectLst/>
+                        <a:latin typeface="Times New Roman" panose="02020603050405020304" pitchFamily="18" charset="0"/>
+                        <a:ea typeface="Calibri" panose="020F0502020204030204" pitchFamily="34" charset="0"/>
+                      </a:endParaRPr>
+                    </a:p>
+                  </a:txBody>
+                  <a:tcPr marL="51045" marR="51045" marT="0" marB="0"/>
+                </a:tc>
+              </a:tr>
+              <a:tr h="511925">
+                <a:tc>
+                  <a:txBody>
+                    <a:bodyPr/>
+                    <a:lstStyle/>
+                    <a:p>
+                      <a:pPr algn="ctr">
+                        <a:lnSpc>
+                          <a:spcPct val="150000"/>
+                        </a:lnSpc>
+                        <a:spcAft>
+                          <a:spcPts val="0"/>
+                        </a:spcAft>
+                      </a:pPr>
+                      <a:r>
+                        <a:rPr lang="ru-RU" sz="1600">
+                          <a:effectLst/>
+                        </a:rPr>
+                        <a:t>LSTM</a:t>
+                      </a:r>
+                      <a:endParaRPr lang="ru-RU" sz="1600">
+                        <a:effectLst/>
+                        <a:latin typeface="Times New Roman" panose="02020603050405020304" pitchFamily="18" charset="0"/>
+                        <a:ea typeface="Calibri" panose="020F0502020204030204" pitchFamily="34" charset="0"/>
+                      </a:endParaRPr>
+                    </a:p>
+                  </a:txBody>
+                  <a:tcPr marL="51045" marR="51045" marT="0" marB="0"/>
+                </a:tc>
+                <a:tc>
+                  <a:txBody>
+                    <a:bodyPr/>
+                    <a:lstStyle/>
+                    <a:p>
+                      <a:pPr algn="ctr">
+                        <a:lnSpc>
+                          <a:spcPct val="150000"/>
+                        </a:lnSpc>
+                        <a:spcAft>
+                          <a:spcPts val="0"/>
+                        </a:spcAft>
+                      </a:pPr>
+                      <a:r>
+                        <a:rPr lang="ru-RU" sz="1600">
+                          <a:effectLst/>
+                        </a:rPr>
+                        <a:t>0.7-1.1</a:t>
+                      </a:r>
+                      <a:endParaRPr lang="ru-RU" sz="1600">
+                        <a:effectLst/>
+                        <a:latin typeface="Times New Roman" panose="02020603050405020304" pitchFamily="18" charset="0"/>
+                        <a:ea typeface="Calibri" panose="020F0502020204030204" pitchFamily="34" charset="0"/>
+                      </a:endParaRPr>
+                    </a:p>
+                  </a:txBody>
+                  <a:tcPr marL="51045" marR="51045" marT="0" marB="0"/>
+                </a:tc>
+                <a:tc>
+                  <a:txBody>
+                    <a:bodyPr/>
+                    <a:lstStyle/>
+                    <a:p>
+                      <a:pPr algn="ctr">
+                        <a:lnSpc>
+                          <a:spcPct val="150000"/>
+                        </a:lnSpc>
+                        <a:spcAft>
+                          <a:spcPts val="0"/>
+                        </a:spcAft>
+                      </a:pPr>
+                      <a:r>
+                        <a:rPr lang="ru-RU" sz="1600" dirty="0">
+                          <a:effectLst/>
+                        </a:rPr>
+                        <a:t>1.4-2.2</a:t>
+                      </a:r>
+                      <a:endParaRPr lang="ru-RU" sz="1600" dirty="0">
+                        <a:effectLst/>
+                        <a:latin typeface="Times New Roman" panose="02020603050405020304" pitchFamily="18" charset="0"/>
+                        <a:ea typeface="Calibri" panose="020F0502020204030204" pitchFamily="34" charset="0"/>
+                      </a:endParaRPr>
+                    </a:p>
+                  </a:txBody>
+                  <a:tcPr marL="51045" marR="51045" marT="0" marB="0"/>
+                </a:tc>
+                <a:tc>
+                  <a:txBody>
+                    <a:bodyPr/>
+                    <a:lstStyle/>
+                    <a:p>
+                      <a:pPr algn="ctr">
+                        <a:lnSpc>
+                          <a:spcPct val="150000"/>
+                        </a:lnSpc>
+                        <a:spcAft>
+                          <a:spcPts val="0"/>
+                        </a:spcAft>
+                      </a:pPr>
+                      <a:r>
+                        <a:rPr lang="ru-RU" sz="1600" dirty="0">
+                          <a:effectLst/>
+                        </a:rPr>
+                        <a:t>0.8-1.5</a:t>
+                      </a:r>
+                      <a:endParaRPr lang="ru-RU" sz="1600" dirty="0">
+                        <a:effectLst/>
+                        <a:latin typeface="Times New Roman" panose="02020603050405020304" pitchFamily="18" charset="0"/>
+                        <a:ea typeface="Calibri" panose="020F0502020204030204" pitchFamily="34" charset="0"/>
+                      </a:endParaRPr>
+                    </a:p>
+                  </a:txBody>
+                  <a:tcPr marL="51045" marR="51045" marT="0" marB="0"/>
+                </a:tc>
+                <a:tc>
+                  <a:txBody>
+                    <a:bodyPr/>
+                    <a:lstStyle/>
+                    <a:p>
+                      <a:pPr algn="ctr">
+                        <a:lnSpc>
+                          <a:spcPct val="150000"/>
+                        </a:lnSpc>
+                        <a:spcAft>
+                          <a:spcPts val="0"/>
+                        </a:spcAft>
+                      </a:pPr>
+                      <a:r>
+                        <a:rPr lang="ru-RU" sz="1600">
+                          <a:effectLst/>
+                        </a:rPr>
+                        <a:t>50-100</a:t>
+                      </a:r>
+                      <a:endParaRPr lang="ru-RU" sz="1600">
+                        <a:effectLst/>
+                        <a:latin typeface="Times New Roman" panose="02020603050405020304" pitchFamily="18" charset="0"/>
+                        <a:ea typeface="Calibri" panose="020F0502020204030204" pitchFamily="34" charset="0"/>
+                      </a:endParaRPr>
+                    </a:p>
+                  </a:txBody>
+                  <a:tcPr marL="51045" marR="51045" marT="0" marB="0"/>
+                </a:tc>
+                <a:tc>
+                  <a:txBody>
+                    <a:bodyPr/>
+                    <a:lstStyle/>
+                    <a:p>
+                      <a:pPr algn="ctr">
+                        <a:lnSpc>
+                          <a:spcPct val="150000"/>
+                        </a:lnSpc>
+                        <a:spcAft>
+                          <a:spcPts val="0"/>
+                        </a:spcAft>
+                      </a:pPr>
+                      <a:r>
+                        <a:rPr lang="ru-RU" sz="1600">
+                          <a:effectLst/>
+                        </a:rPr>
+                        <a:t>500-800 МБ</a:t>
+                      </a:r>
+                      <a:endParaRPr lang="ru-RU" sz="1600">
+                        <a:effectLst/>
+                        <a:latin typeface="Times New Roman" panose="02020603050405020304" pitchFamily="18" charset="0"/>
+                        <a:ea typeface="Calibri" panose="020F0502020204030204" pitchFamily="34" charset="0"/>
+                      </a:endParaRPr>
+                    </a:p>
+                  </a:txBody>
+                  <a:tcPr marL="51045" marR="51045" marT="0" marB="0"/>
+                </a:tc>
+              </a:tr>
+              <a:tr h="561138">
+                <a:tc>
+                  <a:txBody>
+                    <a:bodyPr/>
+                    <a:lstStyle/>
+                    <a:p>
+                      <a:pPr algn="ctr">
+                        <a:lnSpc>
+                          <a:spcPct val="150000"/>
+                        </a:lnSpc>
+                        <a:spcAft>
+                          <a:spcPts val="0"/>
+                        </a:spcAft>
+                      </a:pPr>
+                      <a:r>
+                        <a:rPr lang="ru-RU" sz="1600">
+                          <a:effectLst/>
+                        </a:rPr>
+                        <a:t>Transformer</a:t>
+                      </a:r>
+                      <a:endParaRPr lang="ru-RU" sz="1600">
+                        <a:effectLst/>
+                        <a:latin typeface="Times New Roman" panose="02020603050405020304" pitchFamily="18" charset="0"/>
+                        <a:ea typeface="Calibri" panose="020F0502020204030204" pitchFamily="34" charset="0"/>
+                      </a:endParaRPr>
+                    </a:p>
+                  </a:txBody>
+                  <a:tcPr marL="51045" marR="51045" marT="0" marB="0"/>
+                </a:tc>
+                <a:tc>
+                  <a:txBody>
+                    <a:bodyPr/>
+                    <a:lstStyle/>
+                    <a:p>
+                      <a:pPr algn="ctr">
+                        <a:lnSpc>
+                          <a:spcPct val="150000"/>
+                        </a:lnSpc>
+                        <a:spcAft>
+                          <a:spcPts val="0"/>
+                        </a:spcAft>
+                      </a:pPr>
+                      <a:r>
+                        <a:rPr lang="ru-RU" sz="1600">
+                          <a:effectLst/>
+                        </a:rPr>
+                        <a:t>0.4-0.6</a:t>
+                      </a:r>
+                      <a:endParaRPr lang="ru-RU" sz="1600">
+                        <a:effectLst/>
+                        <a:latin typeface="Times New Roman" panose="02020603050405020304" pitchFamily="18" charset="0"/>
+                        <a:ea typeface="Calibri" panose="020F0502020204030204" pitchFamily="34" charset="0"/>
+                      </a:endParaRPr>
+                    </a:p>
+                  </a:txBody>
+                  <a:tcPr marL="51045" marR="51045" marT="0" marB="0"/>
+                </a:tc>
+                <a:tc>
+                  <a:txBody>
+                    <a:bodyPr/>
+                    <a:lstStyle/>
+                    <a:p>
+                      <a:pPr algn="ctr">
+                        <a:lnSpc>
+                          <a:spcPct val="150000"/>
+                        </a:lnSpc>
+                        <a:spcAft>
+                          <a:spcPts val="0"/>
+                        </a:spcAft>
+                      </a:pPr>
+                      <a:r>
+                        <a:rPr lang="ru-RU" sz="1600" dirty="0">
+                          <a:effectLst/>
+                        </a:rPr>
+                        <a:t>0.8-1.5</a:t>
+                      </a:r>
+                      <a:endParaRPr lang="ru-RU" sz="1600" dirty="0">
+                        <a:effectLst/>
+                        <a:latin typeface="Times New Roman" panose="02020603050405020304" pitchFamily="18" charset="0"/>
+                        <a:ea typeface="Calibri" panose="020F0502020204030204" pitchFamily="34" charset="0"/>
+                      </a:endParaRPr>
+                    </a:p>
+                  </a:txBody>
+                  <a:tcPr marL="51045" marR="51045" marT="0" marB="0"/>
+                </a:tc>
+                <a:tc>
+                  <a:txBody>
+                    <a:bodyPr/>
+                    <a:lstStyle/>
+                    <a:p>
+                      <a:pPr algn="ctr">
+                        <a:lnSpc>
+                          <a:spcPct val="150000"/>
+                        </a:lnSpc>
+                        <a:spcAft>
+                          <a:spcPts val="0"/>
+                        </a:spcAft>
+                      </a:pPr>
+                      <a:r>
+                        <a:rPr lang="ru-RU" sz="1600" dirty="0">
+                          <a:effectLst/>
+                        </a:rPr>
+                        <a:t>0.3-0.8</a:t>
+                      </a:r>
+                      <a:endParaRPr lang="ru-RU" sz="1600" dirty="0">
+                        <a:effectLst/>
+                        <a:latin typeface="Times New Roman" panose="02020603050405020304" pitchFamily="18" charset="0"/>
+                        <a:ea typeface="Calibri" panose="020F0502020204030204" pitchFamily="34" charset="0"/>
+                      </a:endParaRPr>
+                    </a:p>
+                  </a:txBody>
+                  <a:tcPr marL="51045" marR="51045" marT="0" marB="0"/>
+                </a:tc>
+                <a:tc>
+                  <a:txBody>
+                    <a:bodyPr/>
+                    <a:lstStyle/>
+                    <a:p>
+                      <a:pPr algn="ctr">
+                        <a:lnSpc>
+                          <a:spcPct val="150000"/>
+                        </a:lnSpc>
+                        <a:spcAft>
+                          <a:spcPts val="0"/>
+                        </a:spcAft>
+                      </a:pPr>
+                      <a:r>
+                        <a:rPr lang="ru-RU" sz="1600">
+                          <a:effectLst/>
+                        </a:rPr>
+                        <a:t>100-200</a:t>
+                      </a:r>
+                      <a:endParaRPr lang="ru-RU" sz="1600">
+                        <a:effectLst/>
+                        <a:latin typeface="Times New Roman" panose="02020603050405020304" pitchFamily="18" charset="0"/>
+                        <a:ea typeface="Calibri" panose="020F0502020204030204" pitchFamily="34" charset="0"/>
+                      </a:endParaRPr>
+                    </a:p>
+                  </a:txBody>
+                  <a:tcPr marL="51045" marR="51045" marT="0" marB="0"/>
+                </a:tc>
+                <a:tc>
+                  <a:txBody>
+                    <a:bodyPr/>
+                    <a:lstStyle/>
+                    <a:p>
+                      <a:pPr algn="ctr">
+                        <a:lnSpc>
+                          <a:spcPct val="150000"/>
+                        </a:lnSpc>
+                        <a:spcAft>
+                          <a:spcPts val="0"/>
+                        </a:spcAft>
+                      </a:pPr>
+                      <a:r>
+                        <a:rPr lang="ru-RU" sz="1600">
+                          <a:effectLst/>
+                        </a:rPr>
+                        <a:t>1.5-3 ГБ</a:t>
+                      </a:r>
+                      <a:endParaRPr lang="ru-RU" sz="1600">
+                        <a:effectLst/>
+                        <a:latin typeface="Times New Roman" panose="02020603050405020304" pitchFamily="18" charset="0"/>
+                        <a:ea typeface="Calibri" panose="020F0502020204030204" pitchFamily="34" charset="0"/>
+                      </a:endParaRPr>
+                    </a:p>
+                  </a:txBody>
+                  <a:tcPr marL="51045" marR="51045" marT="0" marB="0"/>
+                </a:tc>
+              </a:tr>
+              <a:tr h="782346">
+                <a:tc>
+                  <a:txBody>
+                    <a:bodyPr/>
+                    <a:lstStyle/>
+                    <a:p>
+                      <a:pPr algn="ctr">
+                        <a:lnSpc>
+                          <a:spcPct val="150000"/>
+                        </a:lnSpc>
+                        <a:spcAft>
+                          <a:spcPts val="0"/>
+                        </a:spcAft>
+                      </a:pPr>
+                      <a:r>
+                        <a:rPr lang="ru-RU" sz="1600">
+                          <a:effectLst/>
+                        </a:rPr>
+                        <a:t>Гибридные модели</a:t>
+                      </a:r>
+                      <a:endParaRPr lang="ru-RU" sz="1600">
+                        <a:effectLst/>
+                        <a:latin typeface="Times New Roman" panose="02020603050405020304" pitchFamily="18" charset="0"/>
+                        <a:ea typeface="Calibri" panose="020F0502020204030204" pitchFamily="34" charset="0"/>
+                      </a:endParaRPr>
+                    </a:p>
+                  </a:txBody>
+                  <a:tcPr marL="51045" marR="51045" marT="0" marB="0"/>
+                </a:tc>
+                <a:tc>
+                  <a:txBody>
+                    <a:bodyPr/>
+                    <a:lstStyle/>
+                    <a:p>
+                      <a:pPr algn="ctr">
+                        <a:lnSpc>
+                          <a:spcPct val="150000"/>
+                        </a:lnSpc>
+                        <a:spcAft>
+                          <a:spcPts val="0"/>
+                        </a:spcAft>
+                      </a:pPr>
+                      <a:r>
+                        <a:rPr lang="ru-RU" sz="1600">
+                          <a:effectLst/>
+                        </a:rPr>
+                        <a:t>0.5-0.8</a:t>
+                      </a:r>
+                      <a:endParaRPr lang="ru-RU" sz="1600">
+                        <a:effectLst/>
+                        <a:latin typeface="Times New Roman" panose="02020603050405020304" pitchFamily="18" charset="0"/>
+                        <a:ea typeface="Calibri" panose="020F0502020204030204" pitchFamily="34" charset="0"/>
+                      </a:endParaRPr>
+                    </a:p>
+                  </a:txBody>
+                  <a:tcPr marL="51045" marR="51045" marT="0" marB="0"/>
+                </a:tc>
+                <a:tc>
+                  <a:txBody>
+                    <a:bodyPr/>
+                    <a:lstStyle/>
+                    <a:p>
+                      <a:pPr algn="ctr">
+                        <a:lnSpc>
+                          <a:spcPct val="150000"/>
+                        </a:lnSpc>
+                        <a:spcAft>
+                          <a:spcPts val="0"/>
+                        </a:spcAft>
+                      </a:pPr>
+                      <a:r>
+                        <a:rPr lang="ru-RU" sz="1600">
+                          <a:effectLst/>
+                        </a:rPr>
+                        <a:t>1.0-1.8</a:t>
+                      </a:r>
+                      <a:endParaRPr lang="ru-RU" sz="1600">
+                        <a:effectLst/>
+                        <a:latin typeface="Times New Roman" panose="02020603050405020304" pitchFamily="18" charset="0"/>
+                        <a:ea typeface="Calibri" panose="020F0502020204030204" pitchFamily="34" charset="0"/>
+                      </a:endParaRPr>
+                    </a:p>
+                  </a:txBody>
+                  <a:tcPr marL="51045" marR="51045" marT="0" marB="0"/>
+                </a:tc>
+                <a:tc>
+                  <a:txBody>
+                    <a:bodyPr/>
+                    <a:lstStyle/>
+                    <a:p>
+                      <a:pPr algn="ctr">
+                        <a:lnSpc>
+                          <a:spcPct val="150000"/>
+                        </a:lnSpc>
+                        <a:spcAft>
+                          <a:spcPts val="0"/>
+                        </a:spcAft>
+                      </a:pPr>
+                      <a:r>
+                        <a:rPr lang="ru-RU" sz="1600" dirty="0">
+                          <a:effectLst/>
+                        </a:rPr>
+                        <a:t>0.6-1.2</a:t>
+                      </a:r>
+                      <a:endParaRPr lang="ru-RU" sz="1600" dirty="0">
+                        <a:effectLst/>
+                        <a:latin typeface="Times New Roman" panose="02020603050405020304" pitchFamily="18" charset="0"/>
+                        <a:ea typeface="Calibri" panose="020F0502020204030204" pitchFamily="34" charset="0"/>
+                      </a:endParaRPr>
+                    </a:p>
+                  </a:txBody>
+                  <a:tcPr marL="51045" marR="51045" marT="0" marB="0"/>
+                </a:tc>
+                <a:tc>
+                  <a:txBody>
+                    <a:bodyPr/>
+                    <a:lstStyle/>
+                    <a:p>
+                      <a:pPr algn="ctr">
+                        <a:lnSpc>
+                          <a:spcPct val="150000"/>
+                        </a:lnSpc>
+                        <a:spcAft>
+                          <a:spcPts val="0"/>
+                        </a:spcAft>
+                      </a:pPr>
+                      <a:r>
+                        <a:rPr lang="ru-RU" sz="1600" dirty="0">
+                          <a:effectLst/>
+                        </a:rPr>
+                        <a:t>60-120</a:t>
+                      </a:r>
+                      <a:endParaRPr lang="ru-RU" sz="1600" dirty="0">
+                        <a:effectLst/>
+                        <a:latin typeface="Times New Roman" panose="02020603050405020304" pitchFamily="18" charset="0"/>
+                        <a:ea typeface="Calibri" panose="020F0502020204030204" pitchFamily="34" charset="0"/>
+                      </a:endParaRPr>
+                    </a:p>
+                  </a:txBody>
+                  <a:tcPr marL="51045" marR="51045" marT="0" marB="0"/>
+                </a:tc>
+                <a:tc>
+                  <a:txBody>
+                    <a:bodyPr/>
+                    <a:lstStyle/>
+                    <a:p>
+                      <a:pPr algn="ctr">
+                        <a:lnSpc>
+                          <a:spcPct val="150000"/>
+                        </a:lnSpc>
+                        <a:spcAft>
+                          <a:spcPts val="0"/>
+                        </a:spcAft>
+                      </a:pPr>
+                      <a:r>
+                        <a:rPr lang="ru-RU" sz="1600">
+                          <a:effectLst/>
+                        </a:rPr>
+                        <a:t>700 МБ-1.5 ГБ</a:t>
+                      </a:r>
+                      <a:endParaRPr lang="ru-RU" sz="1600">
+                        <a:effectLst/>
+                        <a:latin typeface="Times New Roman" panose="02020603050405020304" pitchFamily="18" charset="0"/>
+                        <a:ea typeface="Calibri" panose="020F0502020204030204" pitchFamily="34" charset="0"/>
+                      </a:endParaRPr>
+                    </a:p>
+                  </a:txBody>
+                  <a:tcPr marL="51045" marR="51045" marT="0" marB="0"/>
+                </a:tc>
+              </a:tr>
+              <a:tr h="704853">
+                <a:tc>
+                  <a:txBody>
+                    <a:bodyPr/>
+                    <a:lstStyle/>
+                    <a:p>
+                      <a:pPr algn="ctr">
+                        <a:lnSpc>
+                          <a:spcPct val="150000"/>
+                        </a:lnSpc>
+                        <a:spcAft>
+                          <a:spcPts val="0"/>
+                        </a:spcAft>
+                      </a:pPr>
+                      <a:r>
+                        <a:rPr lang="ru-RU" sz="1600">
+                          <a:effectLst/>
+                        </a:rPr>
+                        <a:t>Фильтр Калмана</a:t>
+                      </a:r>
+                      <a:endParaRPr lang="ru-RU" sz="1600">
+                        <a:effectLst/>
+                        <a:latin typeface="Times New Roman" panose="02020603050405020304" pitchFamily="18" charset="0"/>
+                        <a:ea typeface="Calibri" panose="020F0502020204030204" pitchFamily="34" charset="0"/>
+                      </a:endParaRPr>
+                    </a:p>
+                  </a:txBody>
+                  <a:tcPr marL="51045" marR="51045" marT="0" marB="0"/>
+                </a:tc>
+                <a:tc>
+                  <a:txBody>
+                    <a:bodyPr/>
+                    <a:lstStyle/>
+                    <a:p>
+                      <a:pPr algn="ctr">
+                        <a:lnSpc>
+                          <a:spcPct val="150000"/>
+                        </a:lnSpc>
+                        <a:spcAft>
+                          <a:spcPts val="0"/>
+                        </a:spcAft>
+                      </a:pPr>
+                      <a:r>
+                        <a:rPr lang="ru-RU" sz="1600">
+                          <a:effectLst/>
+                        </a:rPr>
+                        <a:t>0.9-1.5</a:t>
+                      </a:r>
+                      <a:endParaRPr lang="ru-RU" sz="1600">
+                        <a:effectLst/>
+                        <a:latin typeface="Times New Roman" panose="02020603050405020304" pitchFamily="18" charset="0"/>
+                        <a:ea typeface="Calibri" panose="020F0502020204030204" pitchFamily="34" charset="0"/>
+                      </a:endParaRPr>
+                    </a:p>
+                  </a:txBody>
+                  <a:tcPr marL="51045" marR="51045" marT="0" marB="0"/>
+                </a:tc>
+                <a:tc>
+                  <a:txBody>
+                    <a:bodyPr/>
+                    <a:lstStyle/>
+                    <a:p>
+                      <a:pPr algn="ctr">
+                        <a:lnSpc>
+                          <a:spcPct val="150000"/>
+                        </a:lnSpc>
+                        <a:spcAft>
+                          <a:spcPts val="0"/>
+                        </a:spcAft>
+                      </a:pPr>
+                      <a:r>
+                        <a:rPr lang="ru-RU" sz="1600">
+                          <a:effectLst/>
+                        </a:rPr>
+                        <a:t>1.8-3.0</a:t>
+                      </a:r>
+                      <a:endParaRPr lang="ru-RU" sz="1600">
+                        <a:effectLst/>
+                        <a:latin typeface="Times New Roman" panose="02020603050405020304" pitchFamily="18" charset="0"/>
+                        <a:ea typeface="Calibri" panose="020F0502020204030204" pitchFamily="34" charset="0"/>
+                      </a:endParaRPr>
+                    </a:p>
+                  </a:txBody>
+                  <a:tcPr marL="51045" marR="51045" marT="0" marB="0"/>
+                </a:tc>
+                <a:tc>
+                  <a:txBody>
+                    <a:bodyPr/>
+                    <a:lstStyle/>
+                    <a:p>
+                      <a:pPr algn="ctr">
+                        <a:lnSpc>
+                          <a:spcPct val="150000"/>
+                        </a:lnSpc>
+                        <a:spcAft>
+                          <a:spcPts val="0"/>
+                        </a:spcAft>
+                      </a:pPr>
+                      <a:r>
+                        <a:rPr lang="ru-RU" sz="1600">
+                          <a:effectLst/>
+                        </a:rPr>
+                        <a:t>1.0-2.5</a:t>
+                      </a:r>
+                      <a:endParaRPr lang="ru-RU" sz="1600">
+                        <a:effectLst/>
+                        <a:latin typeface="Times New Roman" panose="02020603050405020304" pitchFamily="18" charset="0"/>
+                        <a:ea typeface="Calibri" panose="020F0502020204030204" pitchFamily="34" charset="0"/>
+                      </a:endParaRPr>
+                    </a:p>
+                  </a:txBody>
+                  <a:tcPr marL="51045" marR="51045" marT="0" marB="0"/>
+                </a:tc>
+                <a:tc>
+                  <a:txBody>
+                    <a:bodyPr/>
+                    <a:lstStyle/>
+                    <a:p>
+                      <a:pPr algn="ctr">
+                        <a:lnSpc>
+                          <a:spcPct val="150000"/>
+                        </a:lnSpc>
+                        <a:spcAft>
+                          <a:spcPts val="0"/>
+                        </a:spcAft>
+                      </a:pPr>
+                      <a:r>
+                        <a:rPr lang="ru-RU" sz="1600" dirty="0">
+                          <a:effectLst/>
+                        </a:rPr>
+                        <a:t>5-20</a:t>
+                      </a:r>
+                      <a:endParaRPr lang="ru-RU" sz="1600" dirty="0">
+                        <a:effectLst/>
+                        <a:latin typeface="Times New Roman" panose="02020603050405020304" pitchFamily="18" charset="0"/>
+                        <a:ea typeface="Calibri" panose="020F0502020204030204" pitchFamily="34" charset="0"/>
+                      </a:endParaRPr>
+                    </a:p>
+                  </a:txBody>
+                  <a:tcPr marL="51045" marR="51045" marT="0" marB="0"/>
+                </a:tc>
+                <a:tc>
+                  <a:txBody>
+                    <a:bodyPr/>
+                    <a:lstStyle/>
+                    <a:p>
+                      <a:pPr algn="ctr">
+                        <a:lnSpc>
+                          <a:spcPct val="150000"/>
+                        </a:lnSpc>
+                        <a:spcAft>
+                          <a:spcPts val="0"/>
+                        </a:spcAft>
+                      </a:pPr>
+                      <a:r>
+                        <a:rPr lang="ru-RU" sz="1600">
+                          <a:effectLst/>
+                        </a:rPr>
+                        <a:t>&lt; 100 МБ</a:t>
+                      </a:r>
+                      <a:endParaRPr lang="ru-RU" sz="1600">
+                        <a:effectLst/>
+                        <a:latin typeface="Times New Roman" panose="02020603050405020304" pitchFamily="18" charset="0"/>
+                        <a:ea typeface="Calibri" panose="020F0502020204030204" pitchFamily="34" charset="0"/>
+                      </a:endParaRPr>
+                    </a:p>
+                  </a:txBody>
+                  <a:tcPr marL="51045" marR="51045" marT="0" marB="0"/>
+                </a:tc>
+              </a:tr>
+              <a:tr h="352427">
+                <a:tc>
+                  <a:txBody>
+                    <a:bodyPr/>
+                    <a:lstStyle/>
+                    <a:p>
+                      <a:pPr algn="ctr">
+                        <a:lnSpc>
+                          <a:spcPct val="150000"/>
+                        </a:lnSpc>
+                        <a:spcAft>
+                          <a:spcPts val="0"/>
+                        </a:spcAft>
+                      </a:pPr>
+                      <a:r>
+                        <a:rPr lang="ru-RU" sz="1600">
+                          <a:effectLst/>
+                        </a:rPr>
+                        <a:t>GAN</a:t>
+                      </a:r>
+                      <a:endParaRPr lang="ru-RU" sz="1600">
+                        <a:effectLst/>
+                        <a:latin typeface="Times New Roman" panose="02020603050405020304" pitchFamily="18" charset="0"/>
+                        <a:ea typeface="Calibri" panose="020F0502020204030204" pitchFamily="34" charset="0"/>
+                      </a:endParaRPr>
+                    </a:p>
+                  </a:txBody>
+                  <a:tcPr marL="51045" marR="51045" marT="0" marB="0"/>
+                </a:tc>
+                <a:tc>
+                  <a:txBody>
+                    <a:bodyPr/>
+                    <a:lstStyle/>
+                    <a:p>
+                      <a:pPr algn="ctr">
+                        <a:lnSpc>
+                          <a:spcPct val="150000"/>
+                        </a:lnSpc>
+                        <a:spcAft>
+                          <a:spcPts val="0"/>
+                        </a:spcAft>
+                      </a:pPr>
+                      <a:r>
+                        <a:rPr lang="ru-RU" sz="1600">
+                          <a:effectLst/>
+                        </a:rPr>
+                        <a:t>0.6-0.9</a:t>
+                      </a:r>
+                      <a:endParaRPr lang="ru-RU" sz="1600">
+                        <a:effectLst/>
+                        <a:latin typeface="Times New Roman" panose="02020603050405020304" pitchFamily="18" charset="0"/>
+                        <a:ea typeface="Calibri" panose="020F0502020204030204" pitchFamily="34" charset="0"/>
+                      </a:endParaRPr>
+                    </a:p>
+                  </a:txBody>
+                  <a:tcPr marL="51045" marR="51045" marT="0" marB="0"/>
+                </a:tc>
+                <a:tc>
+                  <a:txBody>
+                    <a:bodyPr/>
+                    <a:lstStyle/>
+                    <a:p>
+                      <a:pPr algn="ctr">
+                        <a:lnSpc>
+                          <a:spcPct val="150000"/>
+                        </a:lnSpc>
+                        <a:spcAft>
+                          <a:spcPts val="0"/>
+                        </a:spcAft>
+                      </a:pPr>
+                      <a:r>
+                        <a:rPr lang="ru-RU" sz="1600">
+                          <a:effectLst/>
+                        </a:rPr>
+                        <a:t>1.2-2.0</a:t>
+                      </a:r>
+                      <a:endParaRPr lang="ru-RU" sz="1600">
+                        <a:effectLst/>
+                        <a:latin typeface="Times New Roman" panose="02020603050405020304" pitchFamily="18" charset="0"/>
+                        <a:ea typeface="Calibri" panose="020F0502020204030204" pitchFamily="34" charset="0"/>
+                      </a:endParaRPr>
+                    </a:p>
+                  </a:txBody>
+                  <a:tcPr marL="51045" marR="51045" marT="0" marB="0"/>
+                </a:tc>
+                <a:tc>
+                  <a:txBody>
+                    <a:bodyPr/>
+                    <a:lstStyle/>
+                    <a:p>
+                      <a:pPr algn="ctr">
+                        <a:lnSpc>
+                          <a:spcPct val="150000"/>
+                        </a:lnSpc>
+                        <a:spcAft>
+                          <a:spcPts val="0"/>
+                        </a:spcAft>
+                      </a:pPr>
+                      <a:r>
+                        <a:rPr lang="ru-RU" sz="1600">
+                          <a:effectLst/>
+                        </a:rPr>
+                        <a:t>0.7-1.4</a:t>
+                      </a:r>
+                      <a:endParaRPr lang="ru-RU" sz="1600">
+                        <a:effectLst/>
+                        <a:latin typeface="Times New Roman" panose="02020603050405020304" pitchFamily="18" charset="0"/>
+                        <a:ea typeface="Calibri" panose="020F0502020204030204" pitchFamily="34" charset="0"/>
+                      </a:endParaRPr>
+                    </a:p>
+                  </a:txBody>
+                  <a:tcPr marL="51045" marR="51045" marT="0" marB="0"/>
+                </a:tc>
+                <a:tc>
+                  <a:txBody>
+                    <a:bodyPr/>
+                    <a:lstStyle/>
+                    <a:p>
+                      <a:pPr algn="ctr">
+                        <a:lnSpc>
+                          <a:spcPct val="150000"/>
+                        </a:lnSpc>
+                        <a:spcAft>
+                          <a:spcPts val="0"/>
+                        </a:spcAft>
+                      </a:pPr>
+                      <a:r>
+                        <a:rPr lang="ru-RU" sz="1600" dirty="0">
+                          <a:effectLst/>
+                        </a:rPr>
+                        <a:t>80-150</a:t>
+                      </a:r>
+                      <a:endParaRPr lang="ru-RU" sz="1600" dirty="0">
+                        <a:effectLst/>
+                        <a:latin typeface="Times New Roman" panose="02020603050405020304" pitchFamily="18" charset="0"/>
+                        <a:ea typeface="Calibri" panose="020F0502020204030204" pitchFamily="34" charset="0"/>
+                      </a:endParaRPr>
+                    </a:p>
+                  </a:txBody>
+                  <a:tcPr marL="51045" marR="51045" marT="0" marB="0"/>
+                </a:tc>
+                <a:tc>
+                  <a:txBody>
+                    <a:bodyPr/>
+                    <a:lstStyle/>
+                    <a:p>
+                      <a:pPr algn="ctr">
+                        <a:lnSpc>
+                          <a:spcPct val="150000"/>
+                        </a:lnSpc>
+                        <a:spcAft>
+                          <a:spcPts val="0"/>
+                        </a:spcAft>
+                      </a:pPr>
+                      <a:r>
+                        <a:rPr lang="ru-RU" sz="1600">
+                          <a:effectLst/>
+                        </a:rPr>
+                        <a:t>1-2 ГБ</a:t>
+                      </a:r>
+                      <a:endParaRPr lang="ru-RU" sz="1600">
+                        <a:effectLst/>
+                        <a:latin typeface="Times New Roman" panose="02020603050405020304" pitchFamily="18" charset="0"/>
+                        <a:ea typeface="Calibri" panose="020F0502020204030204" pitchFamily="34" charset="0"/>
+                      </a:endParaRPr>
+                    </a:p>
+                  </a:txBody>
+                  <a:tcPr marL="51045" marR="51045" marT="0" marB="0"/>
+                </a:tc>
+              </a:tr>
+              <a:tr h="561138">
+                <a:tc>
+                  <a:txBody>
+                    <a:bodyPr/>
+                    <a:lstStyle/>
+                    <a:p>
+                      <a:pPr algn="ctr">
+                        <a:lnSpc>
+                          <a:spcPct val="150000"/>
+                        </a:lnSpc>
+                        <a:spcAft>
+                          <a:spcPts val="0"/>
+                        </a:spcAft>
+                      </a:pPr>
+                      <a:r>
+                        <a:rPr lang="ru-RU" sz="1600">
+                          <a:effectLst/>
+                        </a:rPr>
+                        <a:t>Particle Filters</a:t>
+                      </a:r>
+                      <a:endParaRPr lang="ru-RU" sz="1600">
+                        <a:effectLst/>
+                        <a:latin typeface="Times New Roman" panose="02020603050405020304" pitchFamily="18" charset="0"/>
+                        <a:ea typeface="Calibri" panose="020F0502020204030204" pitchFamily="34" charset="0"/>
+                      </a:endParaRPr>
+                    </a:p>
+                  </a:txBody>
+                  <a:tcPr marL="51045" marR="51045" marT="0" marB="0"/>
+                </a:tc>
+                <a:tc>
+                  <a:txBody>
+                    <a:bodyPr/>
+                    <a:lstStyle/>
+                    <a:p>
+                      <a:pPr algn="ctr">
+                        <a:lnSpc>
+                          <a:spcPct val="150000"/>
+                        </a:lnSpc>
+                        <a:spcAft>
+                          <a:spcPts val="0"/>
+                        </a:spcAft>
+                      </a:pPr>
+                      <a:r>
+                        <a:rPr lang="ru-RU" sz="1600">
+                          <a:effectLst/>
+                        </a:rPr>
+                        <a:t>0.8-1.2</a:t>
+                      </a:r>
+                      <a:endParaRPr lang="ru-RU" sz="1600">
+                        <a:effectLst/>
+                        <a:latin typeface="Times New Roman" panose="02020603050405020304" pitchFamily="18" charset="0"/>
+                        <a:ea typeface="Calibri" panose="020F0502020204030204" pitchFamily="34" charset="0"/>
+                      </a:endParaRPr>
+                    </a:p>
+                  </a:txBody>
+                  <a:tcPr marL="51045" marR="51045" marT="0" marB="0"/>
+                </a:tc>
+                <a:tc>
+                  <a:txBody>
+                    <a:bodyPr/>
+                    <a:lstStyle/>
+                    <a:p>
+                      <a:pPr algn="ctr">
+                        <a:lnSpc>
+                          <a:spcPct val="150000"/>
+                        </a:lnSpc>
+                        <a:spcAft>
+                          <a:spcPts val="0"/>
+                        </a:spcAft>
+                      </a:pPr>
+                      <a:r>
+                        <a:rPr lang="ru-RU" sz="1600">
+                          <a:effectLst/>
+                        </a:rPr>
+                        <a:t>1.6-2.5</a:t>
+                      </a:r>
+                      <a:endParaRPr lang="ru-RU" sz="1600">
+                        <a:effectLst/>
+                        <a:latin typeface="Times New Roman" panose="02020603050405020304" pitchFamily="18" charset="0"/>
+                        <a:ea typeface="Calibri" panose="020F0502020204030204" pitchFamily="34" charset="0"/>
+                      </a:endParaRPr>
+                    </a:p>
+                  </a:txBody>
+                  <a:tcPr marL="51045" marR="51045" marT="0" marB="0"/>
+                </a:tc>
+                <a:tc>
+                  <a:txBody>
+                    <a:bodyPr/>
+                    <a:lstStyle/>
+                    <a:p>
+                      <a:pPr algn="ctr">
+                        <a:lnSpc>
+                          <a:spcPct val="150000"/>
+                        </a:lnSpc>
+                        <a:spcAft>
+                          <a:spcPts val="0"/>
+                        </a:spcAft>
+                      </a:pPr>
+                      <a:r>
+                        <a:rPr lang="ru-RU" sz="1600">
+                          <a:effectLst/>
+                        </a:rPr>
+                        <a:t>1.0-1.8</a:t>
+                      </a:r>
+                      <a:endParaRPr lang="ru-RU" sz="1600">
+                        <a:effectLst/>
+                        <a:latin typeface="Times New Roman" panose="02020603050405020304" pitchFamily="18" charset="0"/>
+                        <a:ea typeface="Calibri" panose="020F0502020204030204" pitchFamily="34" charset="0"/>
+                      </a:endParaRPr>
+                    </a:p>
+                  </a:txBody>
+                  <a:tcPr marL="51045" marR="51045" marT="0" marB="0"/>
+                </a:tc>
+                <a:tc>
+                  <a:txBody>
+                    <a:bodyPr/>
+                    <a:lstStyle/>
+                    <a:p>
+                      <a:pPr algn="ctr">
+                        <a:lnSpc>
+                          <a:spcPct val="150000"/>
+                        </a:lnSpc>
+                        <a:spcAft>
+                          <a:spcPts val="0"/>
+                        </a:spcAft>
+                      </a:pPr>
+                      <a:r>
+                        <a:rPr lang="ru-RU" sz="1600" dirty="0">
+                          <a:effectLst/>
+                        </a:rPr>
+                        <a:t>20-50</a:t>
+                      </a:r>
+                      <a:endParaRPr lang="ru-RU" sz="1600" dirty="0">
+                        <a:effectLst/>
+                        <a:latin typeface="Times New Roman" panose="02020603050405020304" pitchFamily="18" charset="0"/>
+                        <a:ea typeface="Calibri" panose="020F0502020204030204" pitchFamily="34" charset="0"/>
+                      </a:endParaRPr>
+                    </a:p>
+                  </a:txBody>
+                  <a:tcPr marL="51045" marR="51045" marT="0" marB="0"/>
+                </a:tc>
+                <a:tc>
+                  <a:txBody>
+                    <a:bodyPr/>
+                    <a:lstStyle/>
+                    <a:p>
+                      <a:pPr algn="ctr">
+                        <a:lnSpc>
+                          <a:spcPct val="150000"/>
+                        </a:lnSpc>
+                        <a:spcAft>
+                          <a:spcPts val="0"/>
+                        </a:spcAft>
+                      </a:pPr>
+                      <a:r>
+                        <a:rPr lang="ru-RU" sz="1600" dirty="0">
+                          <a:effectLst/>
+                        </a:rPr>
+                        <a:t>200-500 МБ</a:t>
+                      </a:r>
+                      <a:endParaRPr lang="ru-RU" sz="1600" dirty="0">
+                        <a:effectLst/>
+                        <a:latin typeface="Times New Roman" panose="02020603050405020304" pitchFamily="18" charset="0"/>
+                        <a:ea typeface="Calibri" panose="020F0502020204030204" pitchFamily="34" charset="0"/>
+                      </a:endParaRPr>
+                    </a:p>
+                  </a:txBody>
+                  <a:tcPr marL="51045" marR="51045" marT="0" marB="0"/>
+                </a:tc>
+              </a:tr>
+              <a:tr h="511925">
+                <a:tc>
+                  <a:txBody>
+                    <a:bodyPr/>
+                    <a:lstStyle/>
+                    <a:p>
+                      <a:pPr algn="ctr">
+                        <a:lnSpc>
+                          <a:spcPct val="150000"/>
+                        </a:lnSpc>
+                        <a:spcAft>
+                          <a:spcPts val="0"/>
+                        </a:spcAft>
+                      </a:pPr>
+                      <a:r>
+                        <a:rPr lang="ru-RU" sz="1600">
+                          <a:effectLst/>
+                        </a:rPr>
+                        <a:t>GNN</a:t>
+                      </a:r>
+                      <a:endParaRPr lang="ru-RU" sz="1600">
+                        <a:effectLst/>
+                        <a:latin typeface="Times New Roman" panose="02020603050405020304" pitchFamily="18" charset="0"/>
+                        <a:ea typeface="Calibri" panose="020F0502020204030204" pitchFamily="34" charset="0"/>
+                      </a:endParaRPr>
+                    </a:p>
+                  </a:txBody>
+                  <a:tcPr marL="51045" marR="51045" marT="0" marB="0"/>
+                </a:tc>
+                <a:tc>
+                  <a:txBody>
+                    <a:bodyPr/>
+                    <a:lstStyle/>
+                    <a:p>
+                      <a:pPr algn="ctr">
+                        <a:lnSpc>
+                          <a:spcPct val="150000"/>
+                        </a:lnSpc>
+                        <a:spcAft>
+                          <a:spcPts val="0"/>
+                        </a:spcAft>
+                      </a:pPr>
+                      <a:r>
+                        <a:rPr lang="ru-RU" sz="1600">
+                          <a:effectLst/>
+                        </a:rPr>
+                        <a:t>0.4-0.65</a:t>
+                      </a:r>
+                      <a:endParaRPr lang="ru-RU" sz="1600">
+                        <a:effectLst/>
+                        <a:latin typeface="Times New Roman" panose="02020603050405020304" pitchFamily="18" charset="0"/>
+                        <a:ea typeface="Calibri" panose="020F0502020204030204" pitchFamily="34" charset="0"/>
+                      </a:endParaRPr>
+                    </a:p>
+                  </a:txBody>
+                  <a:tcPr marL="51045" marR="51045" marT="0" marB="0"/>
+                </a:tc>
+                <a:tc>
+                  <a:txBody>
+                    <a:bodyPr/>
+                    <a:lstStyle/>
+                    <a:p>
+                      <a:pPr algn="ctr">
+                        <a:lnSpc>
+                          <a:spcPct val="150000"/>
+                        </a:lnSpc>
+                        <a:spcAft>
+                          <a:spcPts val="0"/>
+                        </a:spcAft>
+                      </a:pPr>
+                      <a:r>
+                        <a:rPr lang="ru-RU" sz="1600">
+                          <a:effectLst/>
+                        </a:rPr>
+                        <a:t>0.9-1.6</a:t>
+                      </a:r>
+                      <a:endParaRPr lang="ru-RU" sz="1600">
+                        <a:effectLst/>
+                        <a:latin typeface="Times New Roman" panose="02020603050405020304" pitchFamily="18" charset="0"/>
+                        <a:ea typeface="Calibri" panose="020F0502020204030204" pitchFamily="34" charset="0"/>
+                      </a:endParaRPr>
+                    </a:p>
+                  </a:txBody>
+                  <a:tcPr marL="51045" marR="51045" marT="0" marB="0"/>
+                </a:tc>
+                <a:tc>
+                  <a:txBody>
+                    <a:bodyPr/>
+                    <a:lstStyle/>
+                    <a:p>
+                      <a:pPr algn="ctr">
+                        <a:lnSpc>
+                          <a:spcPct val="150000"/>
+                        </a:lnSpc>
+                        <a:spcAft>
+                          <a:spcPts val="0"/>
+                        </a:spcAft>
+                      </a:pPr>
+                      <a:r>
+                        <a:rPr lang="ru-RU" sz="1600">
+                          <a:effectLst/>
+                        </a:rPr>
+                        <a:t>0.35-0.7</a:t>
+                      </a:r>
+                      <a:endParaRPr lang="ru-RU" sz="1600">
+                        <a:effectLst/>
+                        <a:latin typeface="Times New Roman" panose="02020603050405020304" pitchFamily="18" charset="0"/>
+                        <a:ea typeface="Calibri" panose="020F0502020204030204" pitchFamily="34" charset="0"/>
+                      </a:endParaRPr>
+                    </a:p>
+                  </a:txBody>
+                  <a:tcPr marL="51045" marR="51045" marT="0" marB="0"/>
+                </a:tc>
+                <a:tc>
+                  <a:txBody>
+                    <a:bodyPr/>
+                    <a:lstStyle/>
+                    <a:p>
+                      <a:pPr algn="ctr">
+                        <a:lnSpc>
+                          <a:spcPct val="150000"/>
+                        </a:lnSpc>
+                        <a:spcAft>
+                          <a:spcPts val="0"/>
+                        </a:spcAft>
+                      </a:pPr>
+                      <a:r>
+                        <a:rPr lang="ru-RU" sz="1600">
+                          <a:effectLst/>
+                        </a:rPr>
+                        <a:t>40-80</a:t>
+                      </a:r>
+                      <a:endParaRPr lang="ru-RU" sz="1600">
+                        <a:effectLst/>
+                        <a:latin typeface="Times New Roman" panose="02020603050405020304" pitchFamily="18" charset="0"/>
+                        <a:ea typeface="Calibri" panose="020F0502020204030204" pitchFamily="34" charset="0"/>
+                      </a:endParaRPr>
+                    </a:p>
+                  </a:txBody>
+                  <a:tcPr marL="51045" marR="51045" marT="0" marB="0"/>
+                </a:tc>
+                <a:tc>
+                  <a:txBody>
+                    <a:bodyPr/>
+                    <a:lstStyle/>
+                    <a:p>
+                      <a:pPr algn="ctr">
+                        <a:lnSpc>
+                          <a:spcPct val="150000"/>
+                        </a:lnSpc>
+                        <a:spcAft>
+                          <a:spcPts val="0"/>
+                        </a:spcAft>
+                      </a:pPr>
+                      <a:r>
+                        <a:rPr lang="ru-RU" sz="1600" dirty="0">
+                          <a:effectLst/>
+                        </a:rPr>
+                        <a:t>800 МБ-2 ГБ</a:t>
+                      </a:r>
+                      <a:endParaRPr lang="ru-RU" sz="1600" dirty="0">
+                        <a:effectLst/>
+                        <a:latin typeface="Times New Roman" panose="02020603050405020304" pitchFamily="18" charset="0"/>
+                        <a:ea typeface="Calibri" panose="020F0502020204030204" pitchFamily="34" charset="0"/>
+                      </a:endParaRPr>
+                    </a:p>
+                  </a:txBody>
+                  <a:tcPr marL="51045" marR="51045" marT="0" marB="0"/>
+                </a:tc>
+              </a:tr>
+            </a:tbl>
+          </a:graphicData>
+        </a:graphic>
+      </p:graphicFrame>
+    </p:spTree>
+    <p:extLst>
+      <p:ext uri="{BB962C8B-B14F-4D97-AF65-F5344CB8AC3E}">
+        <p14:creationId xmlns:p14="http://schemas.microsoft.com/office/powerpoint/2010/main" val="327885929"/>
+      </p:ext>
+    </p:extLst>
+  </p:cSld>
+  <p:clrMapOvr>
+    <a:masterClrMapping/>
+  </p:clrMapOvr>
 </p:sld>
 </file>
 
